--- a/ProgressReports/Presentation 1 Segments/3d-Printed Granular Jamming Hand.pptx
+++ b/ProgressReports/Presentation 1 Segments/3d-Printed Granular Jamming Hand.pptx
@@ -5,38 +5,40 @@
     <p:sldMasterId id="2147483912" r:id="rId1"/>
   </p:sldMasterIdLst>
   <p:notesMasterIdLst>
-    <p:notesMasterId r:id="rId31"/>
+    <p:notesMasterId r:id="rId33"/>
   </p:notesMasterIdLst>
   <p:sldIdLst>
     <p:sldId id="256" r:id="rId2"/>
-    <p:sldId id="270" r:id="rId3"/>
-    <p:sldId id="271" r:id="rId4"/>
-    <p:sldId id="272" r:id="rId5"/>
-    <p:sldId id="273" r:id="rId6"/>
-    <p:sldId id="274" r:id="rId7"/>
-    <p:sldId id="275" r:id="rId8"/>
-    <p:sldId id="276" r:id="rId9"/>
-    <p:sldId id="261" r:id="rId10"/>
-    <p:sldId id="260" r:id="rId11"/>
-    <p:sldId id="262" r:id="rId12"/>
-    <p:sldId id="265" r:id="rId13"/>
-    <p:sldId id="266" r:id="rId14"/>
-    <p:sldId id="267" r:id="rId15"/>
-    <p:sldId id="268" r:id="rId16"/>
-    <p:sldId id="258" r:id="rId17"/>
-    <p:sldId id="277" r:id="rId18"/>
-    <p:sldId id="278" r:id="rId19"/>
-    <p:sldId id="279" r:id="rId20"/>
-    <p:sldId id="280" r:id="rId21"/>
-    <p:sldId id="281" r:id="rId22"/>
-    <p:sldId id="259" r:id="rId23"/>
-    <p:sldId id="263" r:id="rId24"/>
-    <p:sldId id="264" r:id="rId25"/>
-    <p:sldId id="269" r:id="rId26"/>
-    <p:sldId id="282" r:id="rId27"/>
-    <p:sldId id="283" r:id="rId28"/>
-    <p:sldId id="284" r:id="rId29"/>
-    <p:sldId id="285" r:id="rId30"/>
+    <p:sldId id="277" r:id="rId3"/>
+    <p:sldId id="278" r:id="rId4"/>
+    <p:sldId id="270" r:id="rId5"/>
+    <p:sldId id="271" r:id="rId6"/>
+    <p:sldId id="272" r:id="rId7"/>
+    <p:sldId id="273" r:id="rId8"/>
+    <p:sldId id="274" r:id="rId9"/>
+    <p:sldId id="275" r:id="rId10"/>
+    <p:sldId id="261" r:id="rId11"/>
+    <p:sldId id="260" r:id="rId12"/>
+    <p:sldId id="262" r:id="rId13"/>
+    <p:sldId id="265" r:id="rId14"/>
+    <p:sldId id="266" r:id="rId15"/>
+    <p:sldId id="267" r:id="rId16"/>
+    <p:sldId id="268" r:id="rId17"/>
+    <p:sldId id="258" r:id="rId18"/>
+    <p:sldId id="279" r:id="rId19"/>
+    <p:sldId id="280" r:id="rId20"/>
+    <p:sldId id="281" r:id="rId21"/>
+    <p:sldId id="259" r:id="rId22"/>
+    <p:sldId id="263" r:id="rId23"/>
+    <p:sldId id="264" r:id="rId24"/>
+    <p:sldId id="269" r:id="rId25"/>
+    <p:sldId id="282" r:id="rId26"/>
+    <p:sldId id="283" r:id="rId27"/>
+    <p:sldId id="284" r:id="rId28"/>
+    <p:sldId id="285" r:id="rId29"/>
+    <p:sldId id="286" r:id="rId30"/>
+    <p:sldId id="276" r:id="rId31"/>
+    <p:sldId id="287" r:id="rId32"/>
   </p:sldIdLst>
   <p:sldSz cx="9144000" cy="6858000" type="screen4x3"/>
   <p:notesSz cx="6858000" cy="9144000"/>
@@ -569,7 +571,7 @@
           <a:p>
             <a:fld id="{FCC95CA4-F50B-4F28-A385-3F56C0D3272E}" type="slidenum">
               <a:rPr lang="en-US" smtClean="0"/>
-              <a:t>19</a:t>
+              <a:t>18</a:t>
             </a:fld>
             <a:endParaRPr lang="en-US"/>
           </a:p>
@@ -4096,10 +4098,9 @@
           <a:lstStyle/>
           <a:p>
             <a:r>
-              <a:rPr lang="en-US" dirty="0" smtClean="0"/>
-              <a:t>Hand Ideas</a:t>
-            </a:r>
-            <a:endParaRPr lang="en-US" dirty="0"/>
+              <a:rPr lang="en-US" dirty="0"/>
+              <a:t>Conceptual Designs</a:t>
+            </a:r>
           </a:p>
         </p:txBody>
       </p:sp>
@@ -4113,116 +4114,72 @@
             <p:ph idx="1"/>
           </p:nvPr>
         </p:nvSpPr>
-        <p:spPr>
-          <a:xfrm>
-            <a:off x="457200" y="1447800"/>
-            <a:ext cx="8229600" cy="5181600"/>
-          </a:xfrm>
-        </p:spPr>
+        <p:spPr/>
         <p:txBody>
-          <a:bodyPr>
-            <a:normAutofit/>
-          </a:bodyPr>
+          <a:bodyPr/>
           <a:lstStyle/>
           <a:p>
             <a:r>
               <a:rPr lang="en-US" dirty="0"/>
-              <a:t>Joint ideas</a:t>
-            </a:r>
+              <a:t>To simplify the design process, brainstorming was split into categories</a:t>
+            </a:r>
+            <a:r>
+              <a:rPr lang="en-US" dirty="0" smtClean="0"/>
+              <a:t>:</a:t>
+            </a:r>
+          </a:p>
+          <a:p>
+            <a:endParaRPr lang="en-US" dirty="0" smtClean="0"/>
           </a:p>
           <a:p>
             <a:pPr lvl="1"/>
             <a:r>
-              <a:rPr lang="en-US" dirty="0"/>
-              <a:t>Ways to move </a:t>
-            </a:r>
-            <a:r>
               <a:rPr lang="en-US" dirty="0" smtClean="0"/>
-              <a:t>joints</a:t>
+              <a:t>Category 1: Hand Ideas</a:t>
             </a:r>
           </a:p>
           <a:p>
             <a:pPr lvl="2"/>
             <a:r>
               <a:rPr lang="en-US" dirty="0" smtClean="0"/>
-              <a:t>Pneumatics</a:t>
+              <a:t>Ideas relating to the rigid components of the hand</a:t>
             </a:r>
           </a:p>
           <a:p>
             <a:pPr lvl="2"/>
+            <a:endParaRPr lang="en-US" dirty="0" smtClean="0"/>
+          </a:p>
+          <a:p>
+            <a:pPr lvl="1"/>
             <a:r>
               <a:rPr lang="en-US" dirty="0" smtClean="0"/>
-              <a:t>Motors (one per joint)</a:t>
+              <a:t>Category 2: Granular Jamming Ideas</a:t>
             </a:r>
           </a:p>
           <a:p>
             <a:pPr lvl="2"/>
             <a:r>
               <a:rPr lang="en-US" dirty="0" smtClean="0"/>
-              <a:t>Cables</a:t>
-            </a:r>
-          </a:p>
-          <a:p>
-            <a:pPr lvl="3"/>
+              <a:t>Ideas relating to the granular jamming pads</a:t>
+            </a:r>
+          </a:p>
+          <a:p>
+            <a:pPr lvl="2"/>
+            <a:endParaRPr lang="en-US" dirty="0" smtClean="0"/>
+          </a:p>
+          <a:p>
+            <a:pPr lvl="1"/>
             <a:r>
               <a:rPr lang="en-US" dirty="0" smtClean="0"/>
-              <a:t>One cable per finger</a:t>
-            </a:r>
-          </a:p>
-          <a:p>
-            <a:pPr lvl="3"/>
+              <a:t>Category 3: Other Considerations</a:t>
+            </a:r>
+          </a:p>
+          <a:p>
+            <a:pPr lvl="2"/>
             <a:r>
               <a:rPr lang="en-US" dirty="0" smtClean="0"/>
-              <a:t>One cable per finger, share cable for ring and pinky</a:t>
-            </a:r>
-          </a:p>
-          <a:p>
-            <a:pPr lvl="3"/>
-            <a:r>
-              <a:rPr lang="en-US" dirty="0" smtClean="0"/>
-              <a:t>One cable per joint per finger</a:t>
-            </a:r>
-          </a:p>
-          <a:p>
-            <a:pPr lvl="3"/>
-            <a:r>
-              <a:rPr lang="en-US" dirty="0" smtClean="0"/>
-              <a:t>One cable for 2 joints per finger</a:t>
-            </a:r>
-          </a:p>
-          <a:p>
-            <a:pPr lvl="2"/>
-            <a:r>
-              <a:rPr lang="en-US" dirty="0" smtClean="0"/>
-              <a:t>Motors and cables (motors at finger base)</a:t>
-            </a:r>
-            <a:endParaRPr lang="en-US" dirty="0"/>
-          </a:p>
-          <a:p>
-            <a:pPr lvl="1"/>
-            <a:r>
-              <a:rPr lang="en-US" dirty="0"/>
-              <a:t>Ideas to hold </a:t>
-            </a:r>
-            <a:r>
-              <a:rPr lang="en-US" dirty="0" smtClean="0"/>
-              <a:t>position</a:t>
-            </a:r>
-          </a:p>
-          <a:p>
-            <a:pPr lvl="2"/>
-            <a:r>
-              <a:rPr lang="en-US" dirty="0" smtClean="0"/>
-              <a:t>Gear teeth at joint interface</a:t>
-            </a:r>
-          </a:p>
-          <a:p>
-            <a:pPr lvl="2"/>
-            <a:r>
-              <a:rPr lang="en-US" dirty="0" smtClean="0"/>
-              <a:t>External joint locks</a:t>
-            </a:r>
-            <a:endParaRPr lang="en-US" dirty="0"/>
+              <a:t>These were ideas or requirements that did not fit into any one category</a:t>
+            </a:r>
           </a:p>
         </p:txBody>
       </p:sp>
@@ -4296,7 +4253,7 @@
     </p:spTree>
     <p:extLst>
       <p:ext uri="{BB962C8B-B14F-4D97-AF65-F5344CB8AC3E}">
-        <p14:creationId xmlns:p14="http://schemas.microsoft.com/office/powerpoint/2010/main" val="2930308977"/>
+        <p14:creationId xmlns:p14="http://schemas.microsoft.com/office/powerpoint/2010/main" val="2031015834"/>
       </p:ext>
     </p:extLst>
   </p:cSld>
@@ -4347,7 +4304,7 @@
           <a:p>
             <a:r>
               <a:rPr lang="en-US" dirty="0" smtClean="0"/>
-              <a:t>Hand Ideas (continued)</a:t>
+              <a:t>Hand Ideas</a:t>
             </a:r>
             <a:endParaRPr lang="en-US" dirty="0"/>
           </a:p>
@@ -4363,72 +4320,115 @@
             <p:ph idx="1"/>
           </p:nvPr>
         </p:nvSpPr>
-        <p:spPr/>
+        <p:spPr>
+          <a:xfrm>
+            <a:off x="457200" y="1447800"/>
+            <a:ext cx="8229600" cy="5181600"/>
+          </a:xfrm>
+        </p:spPr>
         <p:txBody>
-          <a:bodyPr/>
+          <a:bodyPr>
+            <a:normAutofit/>
+          </a:bodyPr>
           <a:lstStyle/>
           <a:p>
             <a:r>
               <a:rPr lang="en-US" dirty="0"/>
-              <a:t>Straightening out the hand</a:t>
+              <a:t>Joint ideas</a:t>
             </a:r>
           </a:p>
           <a:p>
             <a:pPr lvl="1"/>
             <a:r>
               <a:rPr lang="en-US" dirty="0"/>
-              <a:t>Long rubber bands</a:t>
-            </a:r>
+              <a:t>Ways to move </a:t>
+            </a:r>
+            <a:r>
+              <a:rPr lang="en-US" dirty="0" smtClean="0"/>
+              <a:t>joints</a:t>
+            </a:r>
+          </a:p>
+          <a:p>
+            <a:pPr lvl="2"/>
+            <a:r>
+              <a:rPr lang="en-US" dirty="0" smtClean="0"/>
+              <a:t>Pneumatics</a:t>
+            </a:r>
+          </a:p>
+          <a:p>
+            <a:pPr lvl="2"/>
+            <a:r>
+              <a:rPr lang="en-US" dirty="0" smtClean="0"/>
+              <a:t>Motors (one per joint)</a:t>
+            </a:r>
+          </a:p>
+          <a:p>
+            <a:pPr lvl="2"/>
+            <a:r>
+              <a:rPr lang="en-US" dirty="0" smtClean="0"/>
+              <a:t>Cables</a:t>
+            </a:r>
+          </a:p>
+          <a:p>
+            <a:pPr lvl="3"/>
+            <a:r>
+              <a:rPr lang="en-US" dirty="0" smtClean="0"/>
+              <a:t>One cable per finger</a:t>
+            </a:r>
+          </a:p>
+          <a:p>
+            <a:pPr lvl="3"/>
+            <a:r>
+              <a:rPr lang="en-US" dirty="0" smtClean="0"/>
+              <a:t>One cable per finger, share cable for ring and pinky</a:t>
+            </a:r>
+          </a:p>
+          <a:p>
+            <a:pPr lvl="3"/>
+            <a:r>
+              <a:rPr lang="en-US" dirty="0" smtClean="0"/>
+              <a:t>One cable per joint per finger</a:t>
+            </a:r>
+          </a:p>
+          <a:p>
+            <a:pPr lvl="3"/>
+            <a:r>
+              <a:rPr lang="en-US" dirty="0" smtClean="0"/>
+              <a:t>One cable for 2 joints per finger</a:t>
+            </a:r>
+          </a:p>
+          <a:p>
+            <a:pPr lvl="2"/>
+            <a:r>
+              <a:rPr lang="en-US" dirty="0" smtClean="0"/>
+              <a:t>Motors and cables (motors at finger base)</a:t>
+            </a:r>
+            <a:endParaRPr lang="en-US" dirty="0"/>
           </a:p>
           <a:p>
             <a:pPr lvl="1"/>
             <a:r>
               <a:rPr lang="en-US" dirty="0"/>
-              <a:t>Dental rubber bands</a:t>
-            </a:r>
-          </a:p>
-          <a:p>
-            <a:pPr lvl="1"/>
-            <a:r>
-              <a:rPr lang="en-US" dirty="0"/>
-              <a:t>Flat springs</a:t>
-            </a:r>
-          </a:p>
-          <a:p>
-            <a:pPr lvl="1"/>
-            <a:r>
-              <a:rPr lang="en-US" dirty="0"/>
-              <a:t>A second set of cables</a:t>
-            </a:r>
-          </a:p>
-          <a:p>
-            <a:r>
-              <a:rPr lang="en-US" dirty="0"/>
-              <a:t>Sensing grip</a:t>
-            </a:r>
-          </a:p>
-          <a:p>
-            <a:pPr lvl="1"/>
-            <a:r>
-              <a:rPr lang="en-US" dirty="0"/>
-              <a:t>No grip sense: vacuum activated by button</a:t>
-            </a:r>
-          </a:p>
-          <a:p>
-            <a:pPr lvl="1"/>
-            <a:r>
-              <a:rPr lang="en-US" dirty="0"/>
-              <a:t>Place bump sensor under granular jamming pad</a:t>
-            </a:r>
-          </a:p>
-          <a:p>
-            <a:pPr lvl="1"/>
-            <a:r>
-              <a:rPr lang="en-US" dirty="0"/>
-              <a:t>Place encoder on servo motor, see if servo is stalled</a:t>
-            </a:r>
-          </a:p>
-          <a:p>
+              <a:t>Ideas to hold </a:t>
+            </a:r>
+            <a:r>
+              <a:rPr lang="en-US" dirty="0" smtClean="0"/>
+              <a:t>position</a:t>
+            </a:r>
+          </a:p>
+          <a:p>
+            <a:pPr lvl="2"/>
+            <a:r>
+              <a:rPr lang="en-US" dirty="0" smtClean="0"/>
+              <a:t>Gear teeth at joint interface</a:t>
+            </a:r>
+          </a:p>
+          <a:p>
+            <a:pPr lvl="2"/>
+            <a:r>
+              <a:rPr lang="en-US" dirty="0" smtClean="0"/>
+              <a:t>External joint locks</a:t>
+            </a:r>
             <a:endParaRPr lang="en-US" dirty="0"/>
           </a:p>
         </p:txBody>
@@ -4503,7 +4503,7 @@
     </p:spTree>
     <p:extLst>
       <p:ext uri="{BB962C8B-B14F-4D97-AF65-F5344CB8AC3E}">
-        <p14:creationId xmlns:p14="http://schemas.microsoft.com/office/powerpoint/2010/main" val="2974808627"/>
+        <p14:creationId xmlns:p14="http://schemas.microsoft.com/office/powerpoint/2010/main" val="2930308977"/>
       </p:ext>
     </p:extLst>
   </p:cSld>
@@ -4554,8 +4554,88 @@
           <a:p>
             <a:r>
               <a:rPr lang="en-US" dirty="0" smtClean="0"/>
-              <a:t>Joint Ideas Decision Matrix</a:t>
-            </a:r>
+              <a:t>Hand Ideas (continued)</a:t>
+            </a:r>
+            <a:endParaRPr lang="en-US" dirty="0"/>
+          </a:p>
+        </p:txBody>
+      </p:sp>
+      <p:sp>
+        <p:nvSpPr>
+          <p:cNvPr id="3" name="Content Placeholder 2"/>
+          <p:cNvSpPr>
+            <a:spLocks noGrp="1"/>
+          </p:cNvSpPr>
+          <p:nvPr>
+            <p:ph idx="1"/>
+          </p:nvPr>
+        </p:nvSpPr>
+        <p:spPr/>
+        <p:txBody>
+          <a:bodyPr/>
+          <a:lstStyle/>
+          <a:p>
+            <a:r>
+              <a:rPr lang="en-US" dirty="0"/>
+              <a:t>Straightening out the hand</a:t>
+            </a:r>
+          </a:p>
+          <a:p>
+            <a:pPr lvl="1"/>
+            <a:r>
+              <a:rPr lang="en-US" dirty="0"/>
+              <a:t>Long rubber bands</a:t>
+            </a:r>
+          </a:p>
+          <a:p>
+            <a:pPr lvl="1"/>
+            <a:r>
+              <a:rPr lang="en-US" dirty="0"/>
+              <a:t>Dental rubber bands</a:t>
+            </a:r>
+          </a:p>
+          <a:p>
+            <a:pPr lvl="1"/>
+            <a:r>
+              <a:rPr lang="en-US" dirty="0"/>
+              <a:t>Flat springs</a:t>
+            </a:r>
+          </a:p>
+          <a:p>
+            <a:pPr lvl="1"/>
+            <a:r>
+              <a:rPr lang="en-US" dirty="0"/>
+              <a:t>A second set of cables</a:t>
+            </a:r>
+          </a:p>
+          <a:p>
+            <a:r>
+              <a:rPr lang="en-US" dirty="0"/>
+              <a:t>Sensing grip</a:t>
+            </a:r>
+          </a:p>
+          <a:p>
+            <a:pPr lvl="1"/>
+            <a:r>
+              <a:rPr lang="en-US" dirty="0"/>
+              <a:t>No grip sense: vacuum activated by button</a:t>
+            </a:r>
+          </a:p>
+          <a:p>
+            <a:pPr lvl="1"/>
+            <a:r>
+              <a:rPr lang="en-US" dirty="0"/>
+              <a:t>Place bump sensor under granular jamming pad</a:t>
+            </a:r>
+          </a:p>
+          <a:p>
+            <a:pPr lvl="1"/>
+            <a:r>
+              <a:rPr lang="en-US" dirty="0"/>
+              <a:t>Place encoder on servo motor, see if servo is stalled</a:t>
+            </a:r>
+          </a:p>
+          <a:p>
             <a:endParaRPr lang="en-US" dirty="0"/>
           </a:p>
         </p:txBody>
@@ -4622,6 +4702,133 @@
               <a:rPr lang="en-US" smtClean="0"/>
               <a:pPr/>
               <a:t>12</a:t>
+            </a:fld>
+            <a:endParaRPr lang="en-US"/>
+          </a:p>
+        </p:txBody>
+      </p:sp>
+    </p:spTree>
+    <p:extLst>
+      <p:ext uri="{BB962C8B-B14F-4D97-AF65-F5344CB8AC3E}">
+        <p14:creationId xmlns:p14="http://schemas.microsoft.com/office/powerpoint/2010/main" val="2974808627"/>
+      </p:ext>
+    </p:extLst>
+  </p:cSld>
+  <p:clrMapOvr>
+    <a:masterClrMapping/>
+  </p:clrMapOvr>
+  <p:timing>
+    <p:tnLst>
+      <p:par>
+        <p:cTn id="1" dur="indefinite" restart="never" nodeType="tmRoot"/>
+      </p:par>
+    </p:tnLst>
+  </p:timing>
+</p:sld>
+</file>
+
+<file path=ppt/slides/slide13.xml><?xml version="1.0" encoding="utf-8"?>
+<p:sld xmlns:a="http://schemas.openxmlformats.org/drawingml/2006/main" xmlns:r="http://schemas.openxmlformats.org/officeDocument/2006/relationships" xmlns:p="http://schemas.openxmlformats.org/presentationml/2006/main">
+  <p:cSld>
+    <p:spTree>
+      <p:nvGrpSpPr>
+        <p:cNvPr id="1" name=""/>
+        <p:cNvGrpSpPr/>
+        <p:nvPr/>
+      </p:nvGrpSpPr>
+      <p:grpSpPr>
+        <a:xfrm>
+          <a:off x="0" y="0"/>
+          <a:ext cx="0" cy="0"/>
+          <a:chOff x="0" y="0"/>
+          <a:chExt cx="0" cy="0"/>
+        </a:xfrm>
+      </p:grpSpPr>
+      <p:sp>
+        <p:nvSpPr>
+          <p:cNvPr id="2" name="Title 1"/>
+          <p:cNvSpPr>
+            <a:spLocks noGrp="1"/>
+          </p:cNvSpPr>
+          <p:nvPr>
+            <p:ph type="title"/>
+          </p:nvPr>
+        </p:nvSpPr>
+        <p:spPr/>
+        <p:txBody>
+          <a:bodyPr/>
+          <a:lstStyle/>
+          <a:p>
+            <a:r>
+              <a:rPr lang="en-US" dirty="0" smtClean="0"/>
+              <a:t>Joint Ideas Decision Matrix</a:t>
+            </a:r>
+            <a:endParaRPr lang="en-US" dirty="0"/>
+          </a:p>
+        </p:txBody>
+      </p:sp>
+      <p:sp>
+        <p:nvSpPr>
+          <p:cNvPr id="4" name="Date Placeholder 3"/>
+          <p:cNvSpPr>
+            <a:spLocks noGrp="1"/>
+          </p:cNvSpPr>
+          <p:nvPr>
+            <p:ph type="dt" sz="half" idx="10"/>
+          </p:nvPr>
+        </p:nvSpPr>
+        <p:spPr/>
+        <p:txBody>
+          <a:bodyPr/>
+          <a:lstStyle/>
+          <a:p>
+            <a:fld id="{A2EFF424-F111-43CB-9C75-D52325012943}" type="datetime1">
+              <a:rPr lang="en-US" smtClean="0"/>
+              <a:pPr/>
+              <a:t>9/23/2013</a:t>
+            </a:fld>
+            <a:endParaRPr lang="en-US"/>
+          </a:p>
+        </p:txBody>
+      </p:sp>
+      <p:sp>
+        <p:nvSpPr>
+          <p:cNvPr id="5" name="Footer Placeholder 4"/>
+          <p:cNvSpPr>
+            <a:spLocks noGrp="1"/>
+          </p:cNvSpPr>
+          <p:nvPr>
+            <p:ph type="ftr" sz="quarter" idx="11"/>
+          </p:nvPr>
+        </p:nvSpPr>
+        <p:spPr/>
+        <p:txBody>
+          <a:bodyPr/>
+          <a:lstStyle/>
+          <a:p>
+            <a:endParaRPr lang="en-US"/>
+          </a:p>
+        </p:txBody>
+      </p:sp>
+      <p:sp>
+        <p:nvSpPr>
+          <p:cNvPr id="6" name="Slide Number Placeholder 5"/>
+          <p:cNvSpPr>
+            <a:spLocks noGrp="1"/>
+          </p:cNvSpPr>
+          <p:nvPr>
+            <p:ph type="sldNum" sz="quarter" idx="12"/>
+          </p:nvPr>
+        </p:nvSpPr>
+        <p:spPr/>
+        <p:txBody>
+          <a:bodyPr/>
+          <a:lstStyle/>
+          <a:p>
+            <a:fld id="{F7886C9C-DC18-4195-8FD5-A50AA931D419}" type="slidenum">
+              <a:rPr lang="en-US" smtClean="0"/>
+              <a:pPr/>
+              <a:t>13</a:t>
             </a:fld>
             <a:endParaRPr lang="en-US"/>
           </a:p>
@@ -7171,7 +7378,7 @@
         </p:blipFill>
         <p:spPr bwMode="auto">
           <a:xfrm>
-            <a:off x="3347884" y="4486275"/>
+            <a:off x="3048000" y="4463486"/>
             <a:ext cx="2638425" cy="2371725"/>
           </a:xfrm>
           <a:prstGeom prst="rect">
@@ -7209,7 +7416,7 @@
 </p:sld>
 </file>
 
-<file path=ppt/slides/slide13.xml><?xml version="1.0" encoding="utf-8"?>
+<file path=ppt/slides/slide14.xml><?xml version="1.0" encoding="utf-8"?>
 <p:sld xmlns:a="http://schemas.openxmlformats.org/drawingml/2006/main" xmlns:r="http://schemas.openxmlformats.org/officeDocument/2006/relationships" xmlns:p="http://schemas.openxmlformats.org/presentationml/2006/main">
   <p:cSld>
     <p:spTree>
@@ -7259,13 +7466,13 @@
             <p:ph idx="1"/>
             <p:extLst>
               <p:ext uri="{D42A27DB-BD31-4B8C-83A1-F6EECF244321}">
-                <p14:modId xmlns:p14="http://schemas.microsoft.com/office/powerpoint/2010/main" val="1684645831"/>
+                <p14:modId xmlns:p14="http://schemas.microsoft.com/office/powerpoint/2010/main" val="1919284557"/>
               </p:ext>
             </p:extLst>
           </p:nvPr>
         </p:nvGraphicFramePr>
         <p:xfrm>
-          <a:off x="895350" y="2871787"/>
+          <a:off x="781050" y="2133600"/>
           <a:ext cx="7353300" cy="2333625"/>
         </p:xfrm>
         <a:graphic>
@@ -9132,7 +9339,7 @@
                     <a:p>
                       <a:pPr algn="ctr" fontAlgn="b"/>
                       <a:r>
-                        <a:rPr lang="en-US" sz="2000" b="0" i="0" u="none" strike="noStrike">
+                        <a:rPr lang="en-US" sz="2000" b="0" i="0" u="none" strike="noStrike" dirty="0">
                           <a:solidFill>
                             <a:srgbClr val="000000"/>
                           </a:solidFill>
@@ -9422,12 +9629,53 @@
             <a:fld id="{F7886C9C-DC18-4195-8FD5-A50AA931D419}" type="slidenum">
               <a:rPr lang="en-US" smtClean="0"/>
               <a:pPr/>
-              <a:t>13</a:t>
+              <a:t>14</a:t>
             </a:fld>
             <a:endParaRPr lang="en-US"/>
           </a:p>
         </p:txBody>
       </p:sp>
+      <p:pic>
+        <p:nvPicPr>
+          <p:cNvPr id="7" name="Picture 3" descr="http://rack.3.mshcdn.com/media/ZgkyMDEzLzA1LzE0LzVmL3JvYm9oYW5kLmU2ZjVkLmpwZwpwCXRodW1iCTEyMDB4OTYwMD4/1ec1aa97/c1b/robohand.jpg"/>
+          <p:cNvPicPr>
+            <a:picLocks noChangeAspect="1" noChangeArrowheads="1"/>
+          </p:cNvPicPr>
+          <p:nvPr/>
+        </p:nvPicPr>
+        <p:blipFill>
+          <a:blip r:embed="rId2" cstate="print">
+            <a:extLst>
+              <a:ext uri="{28A0092B-C50C-407E-A947-70E740481C1C}">
+                <a14:useLocalDpi xmlns:a14="http://schemas.microsoft.com/office/drawing/2010/main" val="0"/>
+              </a:ext>
+            </a:extLst>
+          </a:blip>
+          <a:srcRect/>
+          <a:stretch>
+            <a:fillRect/>
+          </a:stretch>
+        </p:blipFill>
+        <p:spPr bwMode="auto">
+          <a:xfrm>
+            <a:off x="2971800" y="5029200"/>
+            <a:ext cx="2971800" cy="1672631"/>
+          </a:xfrm>
+          <a:prstGeom prst="rect">
+            <a:avLst/>
+          </a:prstGeom>
+          <a:noFill/>
+          <a:extLst>
+            <a:ext uri="{909E8E84-426E-40DD-AFC4-6F175D3DCCD1}">
+              <a14:hiddenFill xmlns:a14="http://schemas.microsoft.com/office/drawing/2010/main">
+                <a:solidFill>
+                  <a:srgbClr val="FFFFFF"/>
+                </a:solidFill>
+              </a14:hiddenFill>
+            </a:ext>
+          </a:extLst>
+        </p:spPr>
+      </p:pic>
     </p:spTree>
     <p:extLst>
       <p:ext uri="{BB962C8B-B14F-4D97-AF65-F5344CB8AC3E}">
@@ -9448,7 +9696,7 @@
 </p:sld>
 </file>
 
-<file path=ppt/slides/slide14.xml><?xml version="1.0" encoding="utf-8"?>
+<file path=ppt/slides/slide15.xml><?xml version="1.0" encoding="utf-8"?>
 <p:sld xmlns:a="http://schemas.openxmlformats.org/drawingml/2006/main" xmlns:r="http://schemas.openxmlformats.org/officeDocument/2006/relationships" xmlns:p="http://schemas.openxmlformats.org/presentationml/2006/main">
   <p:cSld>
     <p:spTree>
@@ -12496,7 +12744,7 @@
             <a:fld id="{F7886C9C-DC18-4195-8FD5-A50AA931D419}" type="slidenum">
               <a:rPr lang="en-US" smtClean="0"/>
               <a:pPr/>
-              <a:t>14</a:t>
+              <a:t>15</a:t>
             </a:fld>
             <a:endParaRPr lang="en-US"/>
           </a:p>
@@ -12582,7 +12830,7 @@
 </p:sld>
 </file>
 
-<file path=ppt/slides/slide15.xml><?xml version="1.0" encoding="utf-8"?>
+<file path=ppt/slides/slide16.xml><?xml version="1.0" encoding="utf-8"?>
 <p:sld xmlns:a="http://schemas.openxmlformats.org/drawingml/2006/main" xmlns:r="http://schemas.openxmlformats.org/officeDocument/2006/relationships" xmlns:p="http://schemas.openxmlformats.org/presentationml/2006/main">
   <p:cSld>
     <p:spTree>
@@ -15216,7 +15464,7 @@
             <a:fld id="{F7886C9C-DC18-4195-8FD5-A50AA931D419}" type="slidenum">
               <a:rPr lang="en-US" smtClean="0"/>
               <a:pPr/>
-              <a:t>15</a:t>
+              <a:t>16</a:t>
             </a:fld>
             <a:endParaRPr lang="en-US"/>
           </a:p>
@@ -15226,156 +15474,6 @@
     <p:extLst>
       <p:ext uri="{BB962C8B-B14F-4D97-AF65-F5344CB8AC3E}">
         <p14:creationId xmlns:p14="http://schemas.microsoft.com/office/powerpoint/2010/main" val="618806473"/>
-      </p:ext>
-    </p:extLst>
-  </p:cSld>
-  <p:clrMapOvr>
-    <a:masterClrMapping/>
-  </p:clrMapOvr>
-  <p:timing>
-    <p:tnLst>
-      <p:par>
-        <p:cTn id="1" dur="indefinite" restart="never" nodeType="tmRoot"/>
-      </p:par>
-    </p:tnLst>
-  </p:timing>
-</p:sld>
-</file>
-
-<file path=ppt/slides/slide16.xml><?xml version="1.0" encoding="utf-8"?>
-<p:sld xmlns:a="http://schemas.openxmlformats.org/drawingml/2006/main" xmlns:r="http://schemas.openxmlformats.org/officeDocument/2006/relationships" xmlns:p="http://schemas.openxmlformats.org/presentationml/2006/main">
-  <p:cSld>
-    <p:spTree>
-      <p:nvGrpSpPr>
-        <p:cNvPr id="1" name=""/>
-        <p:cNvGrpSpPr/>
-        <p:nvPr/>
-      </p:nvGrpSpPr>
-      <p:grpSpPr>
-        <a:xfrm>
-          <a:off x="0" y="0"/>
-          <a:ext cx="0" cy="0"/>
-          <a:chOff x="0" y="0"/>
-          <a:chExt cx="0" cy="0"/>
-        </a:xfrm>
-      </p:grpSpPr>
-      <p:sp>
-        <p:nvSpPr>
-          <p:cNvPr id="6" name="Title 5"/>
-          <p:cNvSpPr>
-            <a:spLocks noGrp="1"/>
-          </p:cNvSpPr>
-          <p:nvPr>
-            <p:ph type="title"/>
-          </p:nvPr>
-        </p:nvSpPr>
-        <p:spPr/>
-        <p:txBody>
-          <a:bodyPr/>
-          <a:lstStyle/>
-          <a:p>
-            <a:r>
-              <a:rPr lang="en-US" dirty="0" smtClean="0"/>
-              <a:t>Granular Jamming Ideas</a:t>
-            </a:r>
-            <a:endParaRPr lang="en-US" dirty="0"/>
-          </a:p>
-        </p:txBody>
-      </p:sp>
-      <p:sp>
-        <p:nvSpPr>
-          <p:cNvPr id="2" name="Content Placeholder 1"/>
-          <p:cNvSpPr>
-            <a:spLocks noGrp="1"/>
-          </p:cNvSpPr>
-          <p:nvPr>
-            <p:ph idx="1"/>
-          </p:nvPr>
-        </p:nvSpPr>
-        <p:spPr/>
-        <p:txBody>
-          <a:bodyPr/>
-          <a:lstStyle/>
-          <a:p>
-            <a:r>
-              <a:rPr lang="en-US" dirty="0" smtClean="0"/>
-              <a:t>HI CHRIS</a:t>
-            </a:r>
-            <a:endParaRPr lang="en-US" dirty="0"/>
-          </a:p>
-        </p:txBody>
-      </p:sp>
-      <p:sp>
-        <p:nvSpPr>
-          <p:cNvPr id="3" name="Date Placeholder 2"/>
-          <p:cNvSpPr>
-            <a:spLocks noGrp="1"/>
-          </p:cNvSpPr>
-          <p:nvPr>
-            <p:ph type="dt" sz="half" idx="10"/>
-          </p:nvPr>
-        </p:nvSpPr>
-        <p:spPr/>
-        <p:txBody>
-          <a:bodyPr/>
-          <a:lstStyle/>
-          <a:p>
-            <a:fld id="{A2EFF424-F111-43CB-9C75-D52325012943}" type="datetime1">
-              <a:rPr lang="en-US" smtClean="0"/>
-              <a:pPr/>
-              <a:t>9/23/2013</a:t>
-            </a:fld>
-            <a:endParaRPr lang="en-US"/>
-          </a:p>
-        </p:txBody>
-      </p:sp>
-      <p:sp>
-        <p:nvSpPr>
-          <p:cNvPr id="4" name="Footer Placeholder 3"/>
-          <p:cNvSpPr>
-            <a:spLocks noGrp="1"/>
-          </p:cNvSpPr>
-          <p:nvPr>
-            <p:ph type="ftr" sz="quarter" idx="11"/>
-          </p:nvPr>
-        </p:nvSpPr>
-        <p:spPr/>
-        <p:txBody>
-          <a:bodyPr/>
-          <a:lstStyle/>
-          <a:p>
-            <a:endParaRPr lang="en-US"/>
-          </a:p>
-        </p:txBody>
-      </p:sp>
-      <p:sp>
-        <p:nvSpPr>
-          <p:cNvPr id="5" name="Slide Number Placeholder 4"/>
-          <p:cNvSpPr>
-            <a:spLocks noGrp="1"/>
-          </p:cNvSpPr>
-          <p:nvPr>
-            <p:ph type="sldNum" sz="quarter" idx="12"/>
-          </p:nvPr>
-        </p:nvSpPr>
-        <p:spPr/>
-        <p:txBody>
-          <a:bodyPr/>
-          <a:lstStyle/>
-          <a:p>
-            <a:fld id="{F7886C9C-DC18-4195-8FD5-A50AA931D419}" type="slidenum">
-              <a:rPr lang="en-US" smtClean="0"/>
-              <a:pPr/>
-              <a:t>16</a:t>
-            </a:fld>
-            <a:endParaRPr lang="en-US"/>
-          </a:p>
-        </p:txBody>
-      </p:sp>
-    </p:spTree>
-    <p:extLst>
-      <p:ext uri="{BB962C8B-B14F-4D97-AF65-F5344CB8AC3E}">
-        <p14:creationId xmlns:p14="http://schemas.microsoft.com/office/powerpoint/2010/main" val="3254479401"/>
       </p:ext>
     </p:extLst>
   </p:cSld>
@@ -15411,7 +15509,7 @@
       </p:grpSpPr>
       <p:sp>
         <p:nvSpPr>
-          <p:cNvPr id="2" name="Title 1"/>
+          <p:cNvPr id="6" name="Title 5"/>
           <p:cNvSpPr>
             <a:spLocks noGrp="1"/>
           </p:cNvSpPr>
@@ -15421,14 +15519,12 @@
         </p:nvSpPr>
         <p:spPr/>
         <p:txBody>
-          <a:bodyPr>
-            <a:normAutofit fontScale="90000"/>
-          </a:bodyPr>
+          <a:bodyPr/>
           <a:lstStyle/>
           <a:p>
             <a:r>
               <a:rPr lang="en-US" dirty="0" smtClean="0"/>
-              <a:t>Project Background and Problem Statement</a:t>
+              <a:t>Granular Jamming Ideas</a:t>
             </a:r>
             <a:endParaRPr lang="en-US" dirty="0"/>
           </a:p>
@@ -15436,7 +15532,7 @@
       </p:sp>
       <p:sp>
         <p:nvSpPr>
-          <p:cNvPr id="3" name="Content Placeholder 2"/>
+          <p:cNvPr id="2" name="Content Placeholder 1"/>
           <p:cNvSpPr>
             <a:spLocks noGrp="1"/>
           </p:cNvSpPr>
@@ -15451,79 +15547,83 @@
           <a:p>
             <a:r>
               <a:rPr lang="en-US" dirty="0" smtClean="0"/>
-              <a:t>Mechanical hands have </a:t>
-            </a:r>
-            <a:br>
-              <a:rPr lang="en-US" dirty="0" smtClean="0"/>
-            </a:br>
-            <a:r>
-              <a:rPr lang="en-US" dirty="0" smtClean="0"/>
-              <a:t>existed for years</a:t>
-            </a:r>
-          </a:p>
-          <a:p>
-            <a:pPr lvl="1"/>
-            <a:r>
-              <a:rPr lang="en-US" dirty="0" smtClean="0"/>
-              <a:t>Inaccurate motions</a:t>
-            </a:r>
-          </a:p>
-          <a:p>
-            <a:pPr lvl="1"/>
-            <a:r>
-              <a:rPr lang="en-US" dirty="0" smtClean="0"/>
-              <a:t>Poor ability to </a:t>
-            </a:r>
-            <a:r>
-              <a:rPr lang="en-US" smtClean="0"/>
-              <a:t>grasp </a:t>
-            </a:r>
-            <a:br>
-              <a:rPr lang="en-US" smtClean="0"/>
-            </a:br>
-            <a:r>
-              <a:rPr lang="en-US" smtClean="0"/>
-              <a:t>irregularly shaped objects</a:t>
-            </a:r>
-          </a:p>
-          <a:p>
-            <a:endParaRPr lang="en-US" dirty="0" smtClean="0"/>
-          </a:p>
-          <a:p>
+              <a:t>HI CHRIS</a:t>
+            </a:r>
             <a:endParaRPr lang="en-US" dirty="0"/>
           </a:p>
         </p:txBody>
       </p:sp>
-      <p:pic>
-        <p:nvPicPr>
-          <p:cNvPr id="4" name="Picture 2" descr="C:\Users\Class2013\Pictures\Senior D Project\shadow_robot_hand.jpg"/>
-          <p:cNvPicPr>
-            <a:picLocks noChangeAspect="1" noChangeArrowheads="1"/>
-          </p:cNvPicPr>
-          <p:nvPr/>
-        </p:nvPicPr>
-        <p:blipFill>
-          <a:blip r:embed="rId2" cstate="print"/>
-          <a:srcRect/>
-          <a:stretch>
-            <a:fillRect/>
-          </a:stretch>
-        </p:blipFill>
-        <p:spPr bwMode="auto">
-          <a:xfrm>
-            <a:off x="6019800" y="1828800"/>
-            <a:ext cx="2308225" cy="3685466"/>
-          </a:xfrm>
-          <a:prstGeom prst="rect">
-            <a:avLst/>
-          </a:prstGeom>
-          <a:noFill/>
-        </p:spPr>
-      </p:pic>
+      <p:sp>
+        <p:nvSpPr>
+          <p:cNvPr id="3" name="Date Placeholder 2"/>
+          <p:cNvSpPr>
+            <a:spLocks noGrp="1"/>
+          </p:cNvSpPr>
+          <p:nvPr>
+            <p:ph type="dt" sz="half" idx="10"/>
+          </p:nvPr>
+        </p:nvSpPr>
+        <p:spPr/>
+        <p:txBody>
+          <a:bodyPr/>
+          <a:lstStyle/>
+          <a:p>
+            <a:fld id="{A2EFF424-F111-43CB-9C75-D52325012943}" type="datetime1">
+              <a:rPr lang="en-US" smtClean="0"/>
+              <a:pPr/>
+              <a:t>9/23/2013</a:t>
+            </a:fld>
+            <a:endParaRPr lang="en-US"/>
+          </a:p>
+        </p:txBody>
+      </p:sp>
+      <p:sp>
+        <p:nvSpPr>
+          <p:cNvPr id="4" name="Footer Placeholder 3"/>
+          <p:cNvSpPr>
+            <a:spLocks noGrp="1"/>
+          </p:cNvSpPr>
+          <p:nvPr>
+            <p:ph type="ftr" sz="quarter" idx="11"/>
+          </p:nvPr>
+        </p:nvSpPr>
+        <p:spPr/>
+        <p:txBody>
+          <a:bodyPr/>
+          <a:lstStyle/>
+          <a:p>
+            <a:endParaRPr lang="en-US"/>
+          </a:p>
+        </p:txBody>
+      </p:sp>
+      <p:sp>
+        <p:nvSpPr>
+          <p:cNvPr id="5" name="Slide Number Placeholder 4"/>
+          <p:cNvSpPr>
+            <a:spLocks noGrp="1"/>
+          </p:cNvSpPr>
+          <p:nvPr>
+            <p:ph type="sldNum" sz="quarter" idx="12"/>
+          </p:nvPr>
+        </p:nvSpPr>
+        <p:spPr/>
+        <p:txBody>
+          <a:bodyPr/>
+          <a:lstStyle/>
+          <a:p>
+            <a:fld id="{F7886C9C-DC18-4195-8FD5-A50AA931D419}" type="slidenum">
+              <a:rPr lang="en-US" smtClean="0"/>
+              <a:pPr/>
+              <a:t>17</a:t>
+            </a:fld>
+            <a:endParaRPr lang="en-US"/>
+          </a:p>
+        </p:txBody>
+      </p:sp>
     </p:spTree>
     <p:extLst>
       <p:ext uri="{BB962C8B-B14F-4D97-AF65-F5344CB8AC3E}">
-        <p14:creationId xmlns:p14="http://schemas.microsoft.com/office/powerpoint/2010/main" val="4039854872"/>
+        <p14:creationId xmlns:p14="http://schemas.microsoft.com/office/powerpoint/2010/main" val="3254479401"/>
       </p:ext>
     </p:extLst>
   </p:cSld>
@@ -15541,157 +15641,6 @@
 </file>
 
 <file path=ppt/slides/slide18.xml><?xml version="1.0" encoding="utf-8"?>
-<p:sld xmlns:a="http://schemas.openxmlformats.org/drawingml/2006/main" xmlns:r="http://schemas.openxmlformats.org/officeDocument/2006/relationships" xmlns:p="http://schemas.openxmlformats.org/presentationml/2006/main">
-  <p:cSld>
-    <p:spTree>
-      <p:nvGrpSpPr>
-        <p:cNvPr id="1" name=""/>
-        <p:cNvGrpSpPr/>
-        <p:nvPr/>
-      </p:nvGrpSpPr>
-      <p:grpSpPr>
-        <a:xfrm>
-          <a:off x="0" y="0"/>
-          <a:ext cx="0" cy="0"/>
-          <a:chOff x="0" y="0"/>
-          <a:chExt cx="0" cy="0"/>
-        </a:xfrm>
-      </p:grpSpPr>
-      <p:sp>
-        <p:nvSpPr>
-          <p:cNvPr id="2" name="Title 1"/>
-          <p:cNvSpPr>
-            <a:spLocks noGrp="1"/>
-          </p:cNvSpPr>
-          <p:nvPr>
-            <p:ph type="title"/>
-          </p:nvPr>
-        </p:nvSpPr>
-        <p:spPr/>
-        <p:txBody>
-          <a:bodyPr/>
-          <a:lstStyle/>
-          <a:p>
-            <a:r>
-              <a:rPr lang="en-US" dirty="0" smtClean="0"/>
-              <a:t>Societal Impact</a:t>
-            </a:r>
-            <a:endParaRPr lang="en-US" dirty="0"/>
-          </a:p>
-        </p:txBody>
-      </p:sp>
-      <p:sp>
-        <p:nvSpPr>
-          <p:cNvPr id="3" name="Content Placeholder 2"/>
-          <p:cNvSpPr>
-            <a:spLocks noGrp="1"/>
-          </p:cNvSpPr>
-          <p:nvPr>
-            <p:ph idx="1"/>
-          </p:nvPr>
-        </p:nvSpPr>
-        <p:spPr>
-          <a:xfrm>
-            <a:off x="3505200" y="1676400"/>
-            <a:ext cx="8229600" cy="4525963"/>
-          </a:xfrm>
-        </p:spPr>
-        <p:txBody>
-          <a:bodyPr/>
-          <a:lstStyle/>
-          <a:p>
-            <a:r>
-              <a:rPr lang="en-US" dirty="0" smtClean="0"/>
-              <a:t>Prosthetic</a:t>
-            </a:r>
-          </a:p>
-          <a:p>
-            <a:r>
-              <a:rPr lang="en-US" dirty="0" smtClean="0"/>
-              <a:t>Manufacturing and </a:t>
-            </a:r>
-            <a:br>
-              <a:rPr lang="en-US" dirty="0" smtClean="0"/>
-            </a:br>
-            <a:r>
-              <a:rPr lang="en-US" dirty="0" smtClean="0"/>
-              <a:t>automation</a:t>
-            </a:r>
-          </a:p>
-          <a:p>
-            <a:r>
-              <a:rPr lang="en-US" dirty="0" smtClean="0"/>
-              <a:t>Handling of dangerous </a:t>
-            </a:r>
-            <a:br>
-              <a:rPr lang="en-US" dirty="0" smtClean="0"/>
-            </a:br>
-            <a:r>
-              <a:rPr lang="en-US" dirty="0" smtClean="0"/>
-              <a:t>materials</a:t>
-            </a:r>
-          </a:p>
-          <a:p>
-            <a:r>
-              <a:rPr lang="en-US" dirty="0" smtClean="0"/>
-              <a:t>Open source</a:t>
-            </a:r>
-          </a:p>
-          <a:p>
-            <a:endParaRPr lang="en-US" dirty="0" smtClean="0"/>
-          </a:p>
-          <a:p>
-            <a:endParaRPr lang="en-US" dirty="0"/>
-          </a:p>
-        </p:txBody>
-      </p:sp>
-      <p:pic>
-        <p:nvPicPr>
-          <p:cNvPr id="3075" name="Picture 3" descr="C:\Users\Class2013\Pictures\Senior D Project\present4.jpg"/>
-          <p:cNvPicPr>
-            <a:picLocks noChangeAspect="1" noChangeArrowheads="1"/>
-          </p:cNvPicPr>
-          <p:nvPr/>
-        </p:nvPicPr>
-        <p:blipFill>
-          <a:blip r:embed="rId2" cstate="print"/>
-          <a:srcRect/>
-          <a:stretch>
-            <a:fillRect/>
-          </a:stretch>
-        </p:blipFill>
-        <p:spPr bwMode="auto">
-          <a:xfrm>
-            <a:off x="381000" y="1752600"/>
-            <a:ext cx="3124200" cy="3214611"/>
-          </a:xfrm>
-          <a:prstGeom prst="rect">
-            <a:avLst/>
-          </a:prstGeom>
-          <a:noFill/>
-        </p:spPr>
-      </p:pic>
-    </p:spTree>
-    <p:extLst>
-      <p:ext uri="{BB962C8B-B14F-4D97-AF65-F5344CB8AC3E}">
-        <p14:creationId xmlns:p14="http://schemas.microsoft.com/office/powerpoint/2010/main" val="846913232"/>
-      </p:ext>
-    </p:extLst>
-  </p:cSld>
-  <p:clrMapOvr>
-    <a:masterClrMapping/>
-  </p:clrMapOvr>
-  <p:timing>
-    <p:tnLst>
-      <p:par>
-        <p:cTn id="1" dur="indefinite" restart="never" nodeType="tmRoot"/>
-      </p:par>
-    </p:tnLst>
-  </p:timing>
-</p:sld>
-</file>
-
-<file path=ppt/slides/slide19.xml><?xml version="1.0" encoding="utf-8"?>
 <p:sld xmlns:a="http://schemas.openxmlformats.org/drawingml/2006/main" xmlns:r="http://schemas.openxmlformats.org/officeDocument/2006/relationships" xmlns:p="http://schemas.openxmlformats.org/presentationml/2006/main">
   <p:cSld>
     <p:spTree>
@@ -15832,327 +15781,7 @@
 </p:sld>
 </file>
 
-<file path=ppt/slides/slide2.xml><?xml version="1.0" encoding="utf-8"?>
-<p:sld xmlns:a="http://schemas.openxmlformats.org/drawingml/2006/main" xmlns:r="http://schemas.openxmlformats.org/officeDocument/2006/relationships" xmlns:p="http://schemas.openxmlformats.org/presentationml/2006/main">
-  <p:cSld>
-    <p:spTree>
-      <p:nvGrpSpPr>
-        <p:cNvPr id="1" name=""/>
-        <p:cNvGrpSpPr/>
-        <p:nvPr/>
-      </p:nvGrpSpPr>
-      <p:grpSpPr>
-        <a:xfrm>
-          <a:off x="0" y="0"/>
-          <a:ext cx="0" cy="0"/>
-          <a:chOff x="0" y="0"/>
-          <a:chExt cx="0" cy="0"/>
-        </a:xfrm>
-      </p:grpSpPr>
-      <p:sp>
-        <p:nvSpPr>
-          <p:cNvPr id="2" name="Title 1"/>
-          <p:cNvSpPr>
-            <a:spLocks noGrp="1"/>
-          </p:cNvSpPr>
-          <p:nvPr>
-            <p:ph type="title"/>
-          </p:nvPr>
-        </p:nvSpPr>
-        <p:spPr/>
-        <p:txBody>
-          <a:bodyPr>
-            <a:normAutofit/>
-          </a:bodyPr>
-          <a:lstStyle/>
-          <a:p>
-            <a:r>
-              <a:rPr lang="en-US" dirty="0" smtClean="0"/>
-              <a:t>State-of-the-Art Designs</a:t>
-            </a:r>
-            <a:endParaRPr lang="en-US" dirty="0"/>
-          </a:p>
-        </p:txBody>
-      </p:sp>
-      <p:sp>
-        <p:nvSpPr>
-          <p:cNvPr id="3" name="Content Placeholder 2"/>
-          <p:cNvSpPr>
-            <a:spLocks noGrp="1"/>
-          </p:cNvSpPr>
-          <p:nvPr>
-            <p:ph idx="1"/>
-          </p:nvPr>
-        </p:nvSpPr>
-        <p:spPr>
-          <a:xfrm>
-            <a:off x="457200" y="1371600"/>
-            <a:ext cx="8229600" cy="5334000"/>
-          </a:xfrm>
-        </p:spPr>
-        <p:txBody>
-          <a:bodyPr>
-            <a:normAutofit fontScale="47500" lnSpcReduction="20000"/>
-          </a:bodyPr>
-          <a:lstStyle/>
-          <a:p>
-            <a:pPr>
-              <a:buNone/>
-            </a:pPr>
-            <a:r>
-              <a:rPr lang="en-US" sz="5700" b="1" dirty="0" smtClean="0"/>
-              <a:t>bebionic3 Hand – used as human prosthesis</a:t>
-            </a:r>
-          </a:p>
-          <a:p>
-            <a:pPr>
-              <a:buNone/>
-            </a:pPr>
-            <a:endParaRPr lang="en-US" sz="1900" b="1" dirty="0" smtClean="0"/>
-          </a:p>
-          <a:p>
-            <a:pPr fontAlgn="base"/>
-            <a:r>
-              <a:rPr lang="en-US" sz="4200" b="1" dirty="0"/>
-              <a:t>Individual Motors</a:t>
-            </a:r>
-            <a:r>
-              <a:rPr lang="en-US" sz="4200" dirty="0"/>
-              <a:t> in each </a:t>
-            </a:r>
-            <a:r>
-              <a:rPr lang="en-US" sz="4200" dirty="0" smtClean="0"/>
-              <a:t>finger. The </a:t>
-            </a:r>
-            <a:r>
-              <a:rPr lang="en-US" sz="4200" dirty="0"/>
-              <a:t>motors are positioned to </a:t>
-            </a:r>
-            <a:r>
-              <a:rPr lang="en-US" sz="4200" dirty="0" smtClean="0"/>
-              <a:t>optimize </a:t>
-            </a:r>
-            <a:r>
-              <a:rPr lang="en-US" sz="4200" dirty="0"/>
-              <a:t>weight </a:t>
-            </a:r>
-            <a:r>
-              <a:rPr lang="en-US" sz="4200" dirty="0" smtClean="0"/>
-              <a:t>distribution, making </a:t>
-            </a:r>
-            <a:r>
-              <a:rPr lang="en-US" sz="4200" dirty="0"/>
-              <a:t>the hand feel lighter and more comfortable.</a:t>
-            </a:r>
-          </a:p>
-          <a:p>
-            <a:pPr fontAlgn="base"/>
-            <a:r>
-              <a:rPr lang="en-US" sz="4200" b="1" dirty="0" smtClean="0"/>
-              <a:t>14 </a:t>
-            </a:r>
-            <a:r>
-              <a:rPr lang="en-US" sz="4200" b="1" dirty="0"/>
-              <a:t>Selectable grip patterns</a:t>
-            </a:r>
-            <a:r>
-              <a:rPr lang="en-US" sz="4200" dirty="0"/>
-              <a:t> and hand </a:t>
-            </a:r>
-            <a:r>
-              <a:rPr lang="en-US" sz="4200" dirty="0" smtClean="0"/>
-              <a:t>positions</a:t>
-            </a:r>
-            <a:endParaRPr lang="en-US" sz="4200" dirty="0"/>
-          </a:p>
-          <a:p>
-            <a:pPr fontAlgn="base"/>
-            <a:r>
-              <a:rPr lang="en-US" sz="4200" b="1" dirty="0"/>
-              <a:t>Proportional Speed Control</a:t>
-            </a:r>
-            <a:r>
-              <a:rPr lang="en-US" sz="4200" dirty="0"/>
-              <a:t> gives you precision control over delicate tasks, so you can pick up an egg </a:t>
-            </a:r>
-            <a:r>
-              <a:rPr lang="en-US" sz="4200" dirty="0" smtClean="0"/>
-              <a:t>as </a:t>
-            </a:r>
-            <a:r>
-              <a:rPr lang="en-US" sz="4200" dirty="0"/>
-              <a:t>easily as crushing an empty can.</a:t>
-            </a:r>
-          </a:p>
-          <a:p>
-            <a:pPr fontAlgn="base"/>
-            <a:r>
-              <a:rPr lang="en-US" sz="4200" b="1" dirty="0" smtClean="0"/>
-              <a:t>Durable </a:t>
-            </a:r>
-            <a:r>
-              <a:rPr lang="en-US" sz="4200" b="1" dirty="0"/>
-              <a:t>construction</a:t>
-            </a:r>
-            <a:r>
-              <a:rPr lang="en-US" sz="4200" dirty="0"/>
-              <a:t> and advanced materials </a:t>
-            </a:r>
-            <a:r>
-              <a:rPr lang="en-US" sz="4200" dirty="0" smtClean="0"/>
-              <a:t>makes</a:t>
-            </a:r>
-          </a:p>
-          <a:p>
-            <a:pPr fontAlgn="base">
-              <a:buNone/>
-            </a:pPr>
-            <a:r>
-              <a:rPr lang="en-US" sz="4200" dirty="0" smtClean="0"/>
-              <a:t>	 </a:t>
-            </a:r>
-            <a:r>
-              <a:rPr lang="en-US" sz="4200" dirty="0"/>
-              <a:t>bebionic3 strong enough to handle up to 45kg </a:t>
-            </a:r>
-            <a:endParaRPr lang="en-US" sz="4200" dirty="0" smtClean="0"/>
-          </a:p>
-          <a:p>
-            <a:pPr fontAlgn="base"/>
-            <a:r>
-              <a:rPr lang="en-US" sz="4200" b="1" dirty="0" smtClean="0"/>
-              <a:t>Selectable thumb positions</a:t>
-            </a:r>
-            <a:endParaRPr lang="en-US" sz="4200" dirty="0"/>
-          </a:p>
-          <a:p>
-            <a:pPr fontAlgn="base"/>
-            <a:r>
-              <a:rPr lang="en-US" sz="4200" b="1" dirty="0"/>
-              <a:t>Innovative palm design</a:t>
-            </a:r>
-            <a:r>
-              <a:rPr lang="en-US" sz="4200" dirty="0"/>
-              <a:t> protects bebionic3 </a:t>
-            </a:r>
-            <a:endParaRPr lang="en-US" sz="4200" dirty="0" smtClean="0"/>
-          </a:p>
-          <a:p>
-            <a:pPr fontAlgn="base">
-              <a:buNone/>
-            </a:pPr>
-            <a:r>
-              <a:rPr lang="en-US" sz="4200" dirty="0"/>
-              <a:t>	</a:t>
-            </a:r>
-            <a:r>
-              <a:rPr lang="en-US" sz="4200" dirty="0" smtClean="0"/>
-              <a:t>from </a:t>
-            </a:r>
-            <a:r>
-              <a:rPr lang="en-US" sz="4200" dirty="0"/>
-              <a:t>impact damage, and makes the hand </a:t>
-            </a:r>
-            <a:endParaRPr lang="en-US" sz="4200" dirty="0" smtClean="0"/>
-          </a:p>
-          <a:p>
-            <a:pPr fontAlgn="base">
-              <a:buNone/>
-            </a:pPr>
-            <a:r>
-              <a:rPr lang="en-US" sz="4200" dirty="0"/>
-              <a:t>	</a:t>
-            </a:r>
-            <a:r>
-              <a:rPr lang="en-US" sz="4200" dirty="0" smtClean="0"/>
-              <a:t>quieter </a:t>
-            </a:r>
-            <a:r>
-              <a:rPr lang="en-US" sz="4200" dirty="0" smtClean="0"/>
-              <a:t>than ever</a:t>
-            </a:r>
-            <a:r>
-              <a:rPr lang="en-US" sz="4200" dirty="0"/>
-              <a:t>.</a:t>
-            </a:r>
-          </a:p>
-          <a:p>
-            <a:pPr fontAlgn="base"/>
-            <a:r>
-              <a:rPr lang="en-US" sz="4200" b="1" dirty="0"/>
-              <a:t>Soft finger pads</a:t>
-            </a:r>
-            <a:r>
-              <a:rPr lang="en-US" sz="4200" dirty="0"/>
-              <a:t> </a:t>
-            </a:r>
-            <a:r>
-              <a:rPr lang="en-US" sz="4200" dirty="0" smtClean="0"/>
-              <a:t>that enhance </a:t>
-            </a:r>
-            <a:r>
-              <a:rPr lang="en-US" sz="4200" dirty="0"/>
-              <a:t>grip.</a:t>
-            </a:r>
-          </a:p>
-          <a:p>
-            <a:endParaRPr lang="en-US" dirty="0"/>
-          </a:p>
-        </p:txBody>
-      </p:sp>
-      <p:pic>
-        <p:nvPicPr>
-          <p:cNvPr id="1028" name="Picture 4"/>
-          <p:cNvPicPr>
-            <a:picLocks noChangeAspect="1" noChangeArrowheads="1"/>
-          </p:cNvPicPr>
-          <p:nvPr/>
-        </p:nvPicPr>
-        <p:blipFill>
-          <a:blip r:embed="rId2" cstate="print"/>
-          <a:srcRect/>
-          <a:stretch>
-            <a:fillRect/>
-          </a:stretch>
-        </p:blipFill>
-        <p:spPr bwMode="auto">
-          <a:xfrm>
-            <a:off x="6477000" y="4419600"/>
-            <a:ext cx="2667000" cy="2438400"/>
-          </a:xfrm>
-          <a:prstGeom prst="rect">
-            <a:avLst/>
-          </a:prstGeom>
-          <a:noFill/>
-          <a:ln w="9525">
-            <a:noFill/>
-            <a:miter lim="800000"/>
-            <a:headEnd/>
-            <a:tailEnd/>
-          </a:ln>
-        </p:spPr>
-      </p:pic>
-    </p:spTree>
-    <p:extLst>
-      <p:ext uri="{BB962C8B-B14F-4D97-AF65-F5344CB8AC3E}">
-        <p14:creationId xmlns:p14="http://schemas.microsoft.com/office/powerpoint/2010/main" val="957870213"/>
-      </p:ext>
-    </p:extLst>
-  </p:cSld>
-  <p:clrMapOvr>
-    <a:masterClrMapping/>
-  </p:clrMapOvr>
-  <p:timing>
-    <p:tnLst>
-      <p:par>
-        <p:cTn id="1" dur="indefinite" restart="never" nodeType="tmRoot"/>
-      </p:par>
-    </p:tnLst>
-  </p:timing>
-</p:sld>
-</file>
-
-<file path=ppt/slides/slide20.xml><?xml version="1.0" encoding="utf-8"?>
+<file path=ppt/slides/slide19.xml><?xml version="1.0" encoding="utf-8"?>
 <p:sld xmlns:a="http://schemas.openxmlformats.org/drawingml/2006/main" xmlns:r="http://schemas.openxmlformats.org/officeDocument/2006/relationships" xmlns:p="http://schemas.openxmlformats.org/presentationml/2006/main">
   <p:cSld>
     <p:spTree>
@@ -16352,7 +15981,155 @@
 </p:sld>
 </file>
 
-<file path=ppt/slides/slide21.xml><?xml version="1.0" encoding="utf-8"?>
+<file path=ppt/slides/slide2.xml><?xml version="1.0" encoding="utf-8"?>
+<p:sld xmlns:a="http://schemas.openxmlformats.org/drawingml/2006/main" xmlns:r="http://schemas.openxmlformats.org/officeDocument/2006/relationships" xmlns:p="http://schemas.openxmlformats.org/presentationml/2006/main">
+  <p:cSld>
+    <p:spTree>
+      <p:nvGrpSpPr>
+        <p:cNvPr id="1" name=""/>
+        <p:cNvGrpSpPr/>
+        <p:nvPr/>
+      </p:nvGrpSpPr>
+      <p:grpSpPr>
+        <a:xfrm>
+          <a:off x="0" y="0"/>
+          <a:ext cx="0" cy="0"/>
+          <a:chOff x="0" y="0"/>
+          <a:chExt cx="0" cy="0"/>
+        </a:xfrm>
+      </p:grpSpPr>
+      <p:sp>
+        <p:nvSpPr>
+          <p:cNvPr id="2" name="Title 1"/>
+          <p:cNvSpPr>
+            <a:spLocks noGrp="1"/>
+          </p:cNvSpPr>
+          <p:nvPr>
+            <p:ph type="title"/>
+          </p:nvPr>
+        </p:nvSpPr>
+        <p:spPr/>
+        <p:txBody>
+          <a:bodyPr>
+            <a:normAutofit fontScale="90000"/>
+          </a:bodyPr>
+          <a:lstStyle/>
+          <a:p>
+            <a:r>
+              <a:rPr lang="en-US" dirty="0" smtClean="0"/>
+              <a:t>Project Background and Problem Statement</a:t>
+            </a:r>
+            <a:endParaRPr lang="en-US" dirty="0"/>
+          </a:p>
+        </p:txBody>
+      </p:sp>
+      <p:sp>
+        <p:nvSpPr>
+          <p:cNvPr id="3" name="Content Placeholder 2"/>
+          <p:cNvSpPr>
+            <a:spLocks noGrp="1"/>
+          </p:cNvSpPr>
+          <p:nvPr>
+            <p:ph idx="1"/>
+          </p:nvPr>
+        </p:nvSpPr>
+        <p:spPr/>
+        <p:txBody>
+          <a:bodyPr/>
+          <a:lstStyle/>
+          <a:p>
+            <a:r>
+              <a:rPr lang="en-US" dirty="0" smtClean="0"/>
+              <a:t>Mechanical hands have </a:t>
+            </a:r>
+            <a:br>
+              <a:rPr lang="en-US" dirty="0" smtClean="0"/>
+            </a:br>
+            <a:r>
+              <a:rPr lang="en-US" dirty="0" smtClean="0"/>
+              <a:t>existed for years</a:t>
+            </a:r>
+          </a:p>
+          <a:p>
+            <a:pPr lvl="1"/>
+            <a:r>
+              <a:rPr lang="en-US" dirty="0" smtClean="0"/>
+              <a:t>Inaccurate motions</a:t>
+            </a:r>
+          </a:p>
+          <a:p>
+            <a:pPr lvl="1"/>
+            <a:r>
+              <a:rPr lang="en-US" dirty="0" smtClean="0"/>
+              <a:t>Poor ability to </a:t>
+            </a:r>
+            <a:r>
+              <a:rPr lang="en-US" smtClean="0"/>
+              <a:t>grasp </a:t>
+            </a:r>
+            <a:br>
+              <a:rPr lang="en-US" smtClean="0"/>
+            </a:br>
+            <a:r>
+              <a:rPr lang="en-US" smtClean="0"/>
+              <a:t>irregularly shaped objects</a:t>
+            </a:r>
+          </a:p>
+          <a:p>
+            <a:endParaRPr lang="en-US" dirty="0" smtClean="0"/>
+          </a:p>
+          <a:p>
+            <a:endParaRPr lang="en-US" dirty="0"/>
+          </a:p>
+        </p:txBody>
+      </p:sp>
+      <p:pic>
+        <p:nvPicPr>
+          <p:cNvPr id="4" name="Picture 2" descr="C:\Users\Class2013\Pictures\Senior D Project\shadow_robot_hand.jpg"/>
+          <p:cNvPicPr>
+            <a:picLocks noChangeAspect="1" noChangeArrowheads="1"/>
+          </p:cNvPicPr>
+          <p:nvPr/>
+        </p:nvPicPr>
+        <p:blipFill>
+          <a:blip r:embed="rId2" cstate="print"/>
+          <a:srcRect/>
+          <a:stretch>
+            <a:fillRect/>
+          </a:stretch>
+        </p:blipFill>
+        <p:spPr bwMode="auto">
+          <a:xfrm>
+            <a:off x="6019800" y="1828800"/>
+            <a:ext cx="2308225" cy="3685466"/>
+          </a:xfrm>
+          <a:prstGeom prst="rect">
+            <a:avLst/>
+          </a:prstGeom>
+          <a:noFill/>
+        </p:spPr>
+      </p:pic>
+    </p:spTree>
+    <p:extLst>
+      <p:ext uri="{BB962C8B-B14F-4D97-AF65-F5344CB8AC3E}">
+        <p14:creationId xmlns:p14="http://schemas.microsoft.com/office/powerpoint/2010/main" val="4039854872"/>
+      </p:ext>
+    </p:extLst>
+  </p:cSld>
+  <p:clrMapOvr>
+    <a:masterClrMapping/>
+  </p:clrMapOvr>
+  <p:timing>
+    <p:tnLst>
+      <p:par>
+        <p:cTn id="1" dur="indefinite" restart="never" nodeType="tmRoot"/>
+      </p:par>
+    </p:tnLst>
+  </p:timing>
+</p:sld>
+</file>
+
+<file path=ppt/slides/slide20.xml><?xml version="1.0" encoding="utf-8"?>
 <p:sld xmlns:a="http://schemas.openxmlformats.org/drawingml/2006/main" xmlns:r="http://schemas.openxmlformats.org/officeDocument/2006/relationships" xmlns:p="http://schemas.openxmlformats.org/presentationml/2006/main">
   <p:cSld>
     <p:spTree>
@@ -16433,6 +16210,209 @@
     <p:extLst>
       <p:ext uri="{BB962C8B-B14F-4D97-AF65-F5344CB8AC3E}">
         <p14:creationId xmlns:p14="http://schemas.microsoft.com/office/powerpoint/2010/main" val="1303427923"/>
+      </p:ext>
+    </p:extLst>
+  </p:cSld>
+  <p:clrMapOvr>
+    <a:masterClrMapping/>
+  </p:clrMapOvr>
+  <p:timing>
+    <p:tnLst>
+      <p:par>
+        <p:cTn id="1" dur="indefinite" restart="never" nodeType="tmRoot"/>
+      </p:par>
+    </p:tnLst>
+  </p:timing>
+</p:sld>
+</file>
+
+<file path=ppt/slides/slide21.xml><?xml version="1.0" encoding="utf-8"?>
+<p:sld xmlns:a="http://schemas.openxmlformats.org/drawingml/2006/main" xmlns:r="http://schemas.openxmlformats.org/officeDocument/2006/relationships" xmlns:p="http://schemas.openxmlformats.org/presentationml/2006/main">
+  <p:cSld>
+    <p:spTree>
+      <p:nvGrpSpPr>
+        <p:cNvPr id="1" name=""/>
+        <p:cNvGrpSpPr/>
+        <p:nvPr/>
+      </p:nvGrpSpPr>
+      <p:grpSpPr>
+        <a:xfrm>
+          <a:off x="0" y="0"/>
+          <a:ext cx="0" cy="0"/>
+          <a:chOff x="0" y="0"/>
+          <a:chExt cx="0" cy="0"/>
+        </a:xfrm>
+      </p:grpSpPr>
+      <p:sp>
+        <p:nvSpPr>
+          <p:cNvPr id="6" name="Title 5"/>
+          <p:cNvSpPr>
+            <a:spLocks noGrp="1"/>
+          </p:cNvSpPr>
+          <p:nvPr>
+            <p:ph type="title"/>
+          </p:nvPr>
+        </p:nvSpPr>
+        <p:spPr/>
+        <p:txBody>
+          <a:bodyPr/>
+          <a:lstStyle/>
+          <a:p>
+            <a:r>
+              <a:rPr lang="en-US" dirty="0" smtClean="0"/>
+              <a:t>Other Considerations</a:t>
+            </a:r>
+            <a:endParaRPr lang="en-US" dirty="0"/>
+          </a:p>
+        </p:txBody>
+      </p:sp>
+      <p:sp>
+        <p:nvSpPr>
+          <p:cNvPr id="2" name="Content Placeholder 1"/>
+          <p:cNvSpPr>
+            <a:spLocks noGrp="1"/>
+          </p:cNvSpPr>
+          <p:nvPr>
+            <p:ph idx="1"/>
+          </p:nvPr>
+        </p:nvSpPr>
+        <p:spPr/>
+        <p:txBody>
+          <a:bodyPr/>
+          <a:lstStyle/>
+          <a:p>
+            <a:r>
+              <a:rPr lang="en-US" dirty="0" smtClean="0"/>
+              <a:t>Polycarbonate plastic</a:t>
+            </a:r>
+          </a:p>
+          <a:p>
+            <a:pPr lvl="1"/>
+            <a:r>
+              <a:rPr lang="en-US" dirty="0" smtClean="0"/>
+              <a:t>Making the product out of polycarbonate plastic means that it will be much stronger than most available 3d printed plastic</a:t>
+            </a:r>
+          </a:p>
+          <a:p>
+            <a:r>
+              <a:rPr lang="en-US" dirty="0" smtClean="0"/>
+              <a:t>Use with touch screens</a:t>
+            </a:r>
+          </a:p>
+          <a:p>
+            <a:pPr lvl="1"/>
+            <a:r>
+              <a:rPr lang="en-US" dirty="0" smtClean="0"/>
+              <a:t>Conductive fabric can be added to the index finger and thumb to allow its use with smartphones</a:t>
+            </a:r>
+          </a:p>
+          <a:p>
+            <a:r>
+              <a:rPr lang="en-US" dirty="0" smtClean="0"/>
+              <a:t>Nails</a:t>
+            </a:r>
+          </a:p>
+          <a:p>
+            <a:pPr lvl="1"/>
+            <a:r>
+              <a:rPr lang="en-US" dirty="0" smtClean="0"/>
+              <a:t>Nails are used for certain tasks (such as opening bottles)</a:t>
+            </a:r>
+          </a:p>
+          <a:p>
+            <a:pPr lvl="1"/>
+            <a:r>
+              <a:rPr lang="en-US" dirty="0" smtClean="0"/>
+              <a:t> Adding prosthetic “nails” to the project will add a little functionality</a:t>
+            </a:r>
+          </a:p>
+          <a:p>
+            <a:r>
+              <a:rPr lang="en-US" dirty="0" smtClean="0"/>
+              <a:t>Size</a:t>
+            </a:r>
+          </a:p>
+          <a:p>
+            <a:pPr lvl="1"/>
+            <a:r>
+              <a:rPr lang="en-US" dirty="0" smtClean="0"/>
+              <a:t>Hand must follow roughly the same size of a real human hand, and cannot be much heavier</a:t>
+            </a:r>
+            <a:endParaRPr lang="en-US" dirty="0"/>
+          </a:p>
+        </p:txBody>
+      </p:sp>
+      <p:sp>
+        <p:nvSpPr>
+          <p:cNvPr id="3" name="Date Placeholder 2"/>
+          <p:cNvSpPr>
+            <a:spLocks noGrp="1"/>
+          </p:cNvSpPr>
+          <p:nvPr>
+            <p:ph type="dt" sz="half" idx="10"/>
+          </p:nvPr>
+        </p:nvSpPr>
+        <p:spPr/>
+        <p:txBody>
+          <a:bodyPr/>
+          <a:lstStyle/>
+          <a:p>
+            <a:fld id="{A2EFF424-F111-43CB-9C75-D52325012943}" type="datetime1">
+              <a:rPr lang="en-US" smtClean="0"/>
+              <a:pPr/>
+              <a:t>9/23/2013</a:t>
+            </a:fld>
+            <a:endParaRPr lang="en-US"/>
+          </a:p>
+        </p:txBody>
+      </p:sp>
+      <p:sp>
+        <p:nvSpPr>
+          <p:cNvPr id="4" name="Footer Placeholder 3"/>
+          <p:cNvSpPr>
+            <a:spLocks noGrp="1"/>
+          </p:cNvSpPr>
+          <p:nvPr>
+            <p:ph type="ftr" sz="quarter" idx="11"/>
+          </p:nvPr>
+        </p:nvSpPr>
+        <p:spPr/>
+        <p:txBody>
+          <a:bodyPr/>
+          <a:lstStyle/>
+          <a:p>
+            <a:endParaRPr lang="en-US"/>
+          </a:p>
+        </p:txBody>
+      </p:sp>
+      <p:sp>
+        <p:nvSpPr>
+          <p:cNvPr id="5" name="Slide Number Placeholder 4"/>
+          <p:cNvSpPr>
+            <a:spLocks noGrp="1"/>
+          </p:cNvSpPr>
+          <p:nvPr>
+            <p:ph type="sldNum" sz="quarter" idx="12"/>
+          </p:nvPr>
+        </p:nvSpPr>
+        <p:spPr/>
+        <p:txBody>
+          <a:bodyPr/>
+          <a:lstStyle/>
+          <a:p>
+            <a:fld id="{F7886C9C-DC18-4195-8FD5-A50AA931D419}" type="slidenum">
+              <a:rPr lang="en-US" smtClean="0"/>
+              <a:pPr/>
+              <a:t>21</a:t>
+            </a:fld>
+            <a:endParaRPr lang="en-US"/>
+          </a:p>
+        </p:txBody>
+      </p:sp>
+    </p:spTree>
+    <p:extLst>
+      <p:ext uri="{BB962C8B-B14F-4D97-AF65-F5344CB8AC3E}">
+        <p14:creationId xmlns:p14="http://schemas.microsoft.com/office/powerpoint/2010/main" val="3565317228"/>
       </p:ext>
     </p:extLst>
   </p:cSld>
@@ -16468,209 +16448,6 @@
       </p:grpSpPr>
       <p:sp>
         <p:nvSpPr>
-          <p:cNvPr id="6" name="Title 5"/>
-          <p:cNvSpPr>
-            <a:spLocks noGrp="1"/>
-          </p:cNvSpPr>
-          <p:nvPr>
-            <p:ph type="title"/>
-          </p:nvPr>
-        </p:nvSpPr>
-        <p:spPr/>
-        <p:txBody>
-          <a:bodyPr/>
-          <a:lstStyle/>
-          <a:p>
-            <a:r>
-              <a:rPr lang="en-US" dirty="0" smtClean="0"/>
-              <a:t>Other Considerations</a:t>
-            </a:r>
-            <a:endParaRPr lang="en-US" dirty="0"/>
-          </a:p>
-        </p:txBody>
-      </p:sp>
-      <p:sp>
-        <p:nvSpPr>
-          <p:cNvPr id="2" name="Content Placeholder 1"/>
-          <p:cNvSpPr>
-            <a:spLocks noGrp="1"/>
-          </p:cNvSpPr>
-          <p:nvPr>
-            <p:ph idx="1"/>
-          </p:nvPr>
-        </p:nvSpPr>
-        <p:spPr/>
-        <p:txBody>
-          <a:bodyPr/>
-          <a:lstStyle/>
-          <a:p>
-            <a:r>
-              <a:rPr lang="en-US" dirty="0" smtClean="0"/>
-              <a:t>Polycarbonate plastic</a:t>
-            </a:r>
-          </a:p>
-          <a:p>
-            <a:pPr lvl="1"/>
-            <a:r>
-              <a:rPr lang="en-US" dirty="0" smtClean="0"/>
-              <a:t>Making the product out of polycarbonate plastic means that it will be much stronger than most available 3d printed plastic</a:t>
-            </a:r>
-          </a:p>
-          <a:p>
-            <a:r>
-              <a:rPr lang="en-US" dirty="0" smtClean="0"/>
-              <a:t>Use with touch screens</a:t>
-            </a:r>
-          </a:p>
-          <a:p>
-            <a:pPr lvl="1"/>
-            <a:r>
-              <a:rPr lang="en-US" dirty="0" smtClean="0"/>
-              <a:t>Conductive fabric can be added to the index finger and thumb to allow its use with smartphones</a:t>
-            </a:r>
-          </a:p>
-          <a:p>
-            <a:r>
-              <a:rPr lang="en-US" dirty="0" smtClean="0"/>
-              <a:t>Nails</a:t>
-            </a:r>
-          </a:p>
-          <a:p>
-            <a:pPr lvl="1"/>
-            <a:r>
-              <a:rPr lang="en-US" dirty="0" smtClean="0"/>
-              <a:t>Nails are used for certain tasks (such as opening bottles)</a:t>
-            </a:r>
-          </a:p>
-          <a:p>
-            <a:pPr lvl="1"/>
-            <a:r>
-              <a:rPr lang="en-US" dirty="0" smtClean="0"/>
-              <a:t> Adding prosthetic “nails” to the project will add a little functionality</a:t>
-            </a:r>
-          </a:p>
-          <a:p>
-            <a:r>
-              <a:rPr lang="en-US" dirty="0" smtClean="0"/>
-              <a:t>Size</a:t>
-            </a:r>
-          </a:p>
-          <a:p>
-            <a:pPr lvl="1"/>
-            <a:r>
-              <a:rPr lang="en-US" dirty="0" smtClean="0"/>
-              <a:t>Hand must follow roughly the same size of a real human hand, and cannot be much heavier</a:t>
-            </a:r>
-            <a:endParaRPr lang="en-US" dirty="0"/>
-          </a:p>
-        </p:txBody>
-      </p:sp>
-      <p:sp>
-        <p:nvSpPr>
-          <p:cNvPr id="3" name="Date Placeholder 2"/>
-          <p:cNvSpPr>
-            <a:spLocks noGrp="1"/>
-          </p:cNvSpPr>
-          <p:nvPr>
-            <p:ph type="dt" sz="half" idx="10"/>
-          </p:nvPr>
-        </p:nvSpPr>
-        <p:spPr/>
-        <p:txBody>
-          <a:bodyPr/>
-          <a:lstStyle/>
-          <a:p>
-            <a:fld id="{A2EFF424-F111-43CB-9C75-D52325012943}" type="datetime1">
-              <a:rPr lang="en-US" smtClean="0"/>
-              <a:pPr/>
-              <a:t>9/23/2013</a:t>
-            </a:fld>
-            <a:endParaRPr lang="en-US"/>
-          </a:p>
-        </p:txBody>
-      </p:sp>
-      <p:sp>
-        <p:nvSpPr>
-          <p:cNvPr id="4" name="Footer Placeholder 3"/>
-          <p:cNvSpPr>
-            <a:spLocks noGrp="1"/>
-          </p:cNvSpPr>
-          <p:nvPr>
-            <p:ph type="ftr" sz="quarter" idx="11"/>
-          </p:nvPr>
-        </p:nvSpPr>
-        <p:spPr/>
-        <p:txBody>
-          <a:bodyPr/>
-          <a:lstStyle/>
-          <a:p>
-            <a:endParaRPr lang="en-US"/>
-          </a:p>
-        </p:txBody>
-      </p:sp>
-      <p:sp>
-        <p:nvSpPr>
-          <p:cNvPr id="5" name="Slide Number Placeholder 4"/>
-          <p:cNvSpPr>
-            <a:spLocks noGrp="1"/>
-          </p:cNvSpPr>
-          <p:nvPr>
-            <p:ph type="sldNum" sz="quarter" idx="12"/>
-          </p:nvPr>
-        </p:nvSpPr>
-        <p:spPr/>
-        <p:txBody>
-          <a:bodyPr/>
-          <a:lstStyle/>
-          <a:p>
-            <a:fld id="{F7886C9C-DC18-4195-8FD5-A50AA931D419}" type="slidenum">
-              <a:rPr lang="en-US" smtClean="0"/>
-              <a:pPr/>
-              <a:t>22</a:t>
-            </a:fld>
-            <a:endParaRPr lang="en-US"/>
-          </a:p>
-        </p:txBody>
-      </p:sp>
-    </p:spTree>
-    <p:extLst>
-      <p:ext uri="{BB962C8B-B14F-4D97-AF65-F5344CB8AC3E}">
-        <p14:creationId xmlns:p14="http://schemas.microsoft.com/office/powerpoint/2010/main" val="3565317228"/>
-      </p:ext>
-    </p:extLst>
-  </p:cSld>
-  <p:clrMapOvr>
-    <a:masterClrMapping/>
-  </p:clrMapOvr>
-  <p:timing>
-    <p:tnLst>
-      <p:par>
-        <p:cTn id="1" dur="indefinite" restart="never" nodeType="tmRoot"/>
-      </p:par>
-    </p:tnLst>
-  </p:timing>
-</p:sld>
-</file>
-
-<file path=ppt/slides/slide23.xml><?xml version="1.0" encoding="utf-8"?>
-<p:sld xmlns:a="http://schemas.openxmlformats.org/drawingml/2006/main" xmlns:r="http://schemas.openxmlformats.org/officeDocument/2006/relationships" xmlns:p="http://schemas.openxmlformats.org/presentationml/2006/main">
-  <p:cSld>
-    <p:spTree>
-      <p:nvGrpSpPr>
-        <p:cNvPr id="1" name=""/>
-        <p:cNvGrpSpPr/>
-        <p:nvPr/>
-      </p:nvGrpSpPr>
-      <p:grpSpPr>
-        <a:xfrm>
-          <a:off x="0" y="0"/>
-          <a:ext cx="0" cy="0"/>
-          <a:chOff x="0" y="0"/>
-          <a:chExt cx="0" cy="0"/>
-        </a:xfrm>
-      </p:grpSpPr>
-      <p:sp>
-        <p:nvSpPr>
           <p:cNvPr id="2" name="Title 1"/>
           <p:cNvSpPr>
             <a:spLocks noGrp="1"/>
@@ -16860,7 +16637,7 @@
             <a:fld id="{F7886C9C-DC18-4195-8FD5-A50AA931D419}" type="slidenum">
               <a:rPr lang="en-US" smtClean="0"/>
               <a:pPr/>
-              <a:t>23</a:t>
+              <a:t>22</a:t>
             </a:fld>
             <a:endParaRPr lang="en-US"/>
           </a:p>
@@ -16914,7 +16691,7 @@
 </p:sld>
 </file>
 
-<file path=ppt/slides/slide24.xml><?xml version="1.0" encoding="utf-8"?>
+<file path=ppt/slides/slide23.xml><?xml version="1.0" encoding="utf-8"?>
 <p:sld xmlns:a="http://schemas.openxmlformats.org/drawingml/2006/main" xmlns:r="http://schemas.openxmlformats.org/officeDocument/2006/relationships" xmlns:p="http://schemas.openxmlformats.org/presentationml/2006/main">
   <p:cSld>
     <p:spTree>
@@ -17074,7 +16851,7 @@
             <a:fld id="{F7886C9C-DC18-4195-8FD5-A50AA931D419}" type="slidenum">
               <a:rPr lang="en-US" smtClean="0"/>
               <a:pPr/>
-              <a:t>24</a:t>
+              <a:t>23</a:t>
             </a:fld>
             <a:endParaRPr lang="en-US"/>
           </a:p>
@@ -17154,7 +16931,7 @@
 </p:sld>
 </file>
 
-<file path=ppt/slides/slide25.xml><?xml version="1.0" encoding="utf-8"?>
+<file path=ppt/slides/slide24.xml><?xml version="1.0" encoding="utf-8"?>
 <p:sld xmlns:a="http://schemas.openxmlformats.org/drawingml/2006/main" xmlns:r="http://schemas.openxmlformats.org/officeDocument/2006/relationships" xmlns:p="http://schemas.openxmlformats.org/presentationml/2006/main">
   <p:cSld>
     <p:spTree>
@@ -17363,7 +17140,7 @@
             <a:fld id="{F7886C9C-DC18-4195-8FD5-A50AA931D419}" type="slidenum">
               <a:rPr lang="en-US" smtClean="0"/>
               <a:pPr/>
-              <a:t>25</a:t>
+              <a:t>24</a:t>
             </a:fld>
             <a:endParaRPr lang="en-US"/>
           </a:p>
@@ -17389,7 +17166,7 @@
 </p:sld>
 </file>
 
-<file path=ppt/slides/slide26.xml><?xml version="1.0" encoding="utf-8"?>
+<file path=ppt/slides/slide25.xml><?xml version="1.0" encoding="utf-8"?>
 <p:sld xmlns:a="http://schemas.openxmlformats.org/drawingml/2006/main" xmlns:r="http://schemas.openxmlformats.org/officeDocument/2006/relationships" xmlns:p="http://schemas.openxmlformats.org/presentationml/2006/main">
   <p:cSld>
     <p:spTree>
@@ -17541,6 +17318,97 @@
 </p:sld>
 </file>
 
+<file path=ppt/slides/slide26.xml><?xml version="1.0" encoding="utf-8"?>
+<p:sld xmlns:a="http://schemas.openxmlformats.org/drawingml/2006/main" xmlns:r="http://schemas.openxmlformats.org/officeDocument/2006/relationships" xmlns:p="http://schemas.openxmlformats.org/presentationml/2006/main">
+  <p:cSld>
+    <p:spTree>
+      <p:nvGrpSpPr>
+        <p:cNvPr id="1" name=""/>
+        <p:cNvGrpSpPr/>
+        <p:nvPr/>
+      </p:nvGrpSpPr>
+      <p:grpSpPr>
+        <a:xfrm>
+          <a:off x="0" y="0"/>
+          <a:ext cx="0" cy="0"/>
+          <a:chOff x="0" y="0"/>
+          <a:chExt cx="0" cy="0"/>
+        </a:xfrm>
+      </p:grpSpPr>
+      <p:sp>
+        <p:nvSpPr>
+          <p:cNvPr id="2" name="Title 1"/>
+          <p:cNvSpPr>
+            <a:spLocks noGrp="1"/>
+          </p:cNvSpPr>
+          <p:nvPr>
+            <p:ph type="title"/>
+          </p:nvPr>
+        </p:nvSpPr>
+        <p:spPr/>
+        <p:txBody>
+          <a:bodyPr/>
+          <a:lstStyle/>
+          <a:p>
+            <a:r>
+              <a:rPr lang="en-US" dirty="0" smtClean="0"/>
+              <a:t>Technical Analysis</a:t>
+            </a:r>
+            <a:endParaRPr lang="en-US" dirty="0"/>
+          </a:p>
+        </p:txBody>
+      </p:sp>
+      <p:sp>
+        <p:nvSpPr>
+          <p:cNvPr id="5" name="Content Placeholder 4"/>
+          <p:cNvSpPr>
+            <a:spLocks noGrp="1"/>
+          </p:cNvSpPr>
+          <p:nvPr>
+            <p:ph idx="1"/>
+          </p:nvPr>
+        </p:nvSpPr>
+        <p:spPr/>
+        <p:txBody>
+          <a:bodyPr/>
+          <a:lstStyle/>
+          <a:p>
+            <a:r>
+              <a:rPr lang="en-US" dirty="0" smtClean="0"/>
+              <a:t>2 degrees of freedom</a:t>
+            </a:r>
+          </a:p>
+          <a:p>
+            <a:r>
+              <a:rPr lang="en-US" dirty="0" smtClean="0"/>
+              <a:t>Twist and extension/flexion</a:t>
+            </a:r>
+          </a:p>
+          <a:p>
+            <a:endParaRPr lang="en-US" dirty="0"/>
+          </a:p>
+        </p:txBody>
+      </p:sp>
+    </p:spTree>
+    <p:extLst>
+      <p:ext uri="{BB962C8B-B14F-4D97-AF65-F5344CB8AC3E}">
+        <p14:creationId xmlns:p14="http://schemas.microsoft.com/office/powerpoint/2010/main" val="1514605379"/>
+      </p:ext>
+    </p:extLst>
+  </p:cSld>
+  <p:clrMapOvr>
+    <a:masterClrMapping/>
+  </p:clrMapOvr>
+  <p:timing>
+    <p:tnLst>
+      <p:par>
+        <p:cTn id="1" dur="indefinite" restart="never" nodeType="tmRoot"/>
+      </p:par>
+    </p:tnLst>
+  </p:timing>
+</p:sld>
+</file>
+
 <file path=ppt/slides/slide27.xml><?xml version="1.0" encoding="utf-8"?>
 <p:sld xmlns:a="http://schemas.openxmlformats.org/drawingml/2006/main" xmlns:r="http://schemas.openxmlformats.org/officeDocument/2006/relationships" xmlns:p="http://schemas.openxmlformats.org/presentationml/2006/main">
   <p:cSld>
@@ -17575,7 +17443,7 @@
           <a:p>
             <a:r>
               <a:rPr lang="en-US" dirty="0" smtClean="0"/>
-              <a:t>Technical Analysis</a:t>
+              <a:t>Engineering Design</a:t>
             </a:r>
             <a:endParaRPr lang="en-US" dirty="0"/>
           </a:p>
@@ -17583,7 +17451,7 @@
       </p:sp>
       <p:sp>
         <p:nvSpPr>
-          <p:cNvPr id="5" name="Content Placeholder 4"/>
+          <p:cNvPr id="3" name="Content Placeholder 2"/>
           <p:cNvSpPr>
             <a:spLocks noGrp="1"/>
           </p:cNvSpPr>
@@ -17598,13 +17466,19 @@
           <a:p>
             <a:r>
               <a:rPr lang="en-US" dirty="0" smtClean="0"/>
-              <a:t>2 degrees of freedom</a:t>
+              <a:t>Motors for fingers</a:t>
             </a:r>
           </a:p>
           <a:p>
             <a:r>
               <a:rPr lang="en-US" dirty="0" smtClean="0"/>
-              <a:t>Twist and extension/flexion</a:t>
+              <a:t>A digital I/O for signals from sensors and motors</a:t>
+            </a:r>
+          </a:p>
+          <a:p>
+            <a:r>
+              <a:rPr lang="en-US" dirty="0" smtClean="0"/>
+              <a:t>Granular jamming pad for firm grip</a:t>
             </a:r>
           </a:p>
           <a:p>
@@ -17615,7 +17489,7 @@
     </p:spTree>
     <p:extLst>
       <p:ext uri="{BB962C8B-B14F-4D97-AF65-F5344CB8AC3E}">
-        <p14:creationId xmlns:p14="http://schemas.microsoft.com/office/powerpoint/2010/main" val="1514605379"/>
+        <p14:creationId xmlns:p14="http://schemas.microsoft.com/office/powerpoint/2010/main" val="2992737133"/>
       </p:ext>
     </p:extLst>
   </p:cSld>
@@ -17689,22 +17563,24 @@
           <a:p>
             <a:r>
               <a:rPr lang="en-US" dirty="0" smtClean="0"/>
-              <a:t>Motors for fingers</a:t>
+              <a:t>Data when moving fingers</a:t>
             </a:r>
           </a:p>
           <a:p>
             <a:r>
               <a:rPr lang="en-US" dirty="0" smtClean="0"/>
-              <a:t>A digital I/O for signals from sensors and motors</a:t>
+              <a:t>Signals when moving wrist</a:t>
             </a:r>
           </a:p>
           <a:p>
             <a:r>
               <a:rPr lang="en-US" dirty="0" smtClean="0"/>
-              <a:t>Granular jamming pad for firm grip</a:t>
-            </a:r>
-          </a:p>
-          <a:p>
+              <a:t>Signals when </a:t>
+            </a:r>
+            <a:r>
+              <a:rPr lang="en-US" smtClean="0"/>
+              <a:t>grabbing objects</a:t>
+            </a:r>
             <a:endParaRPr lang="en-US" dirty="0"/>
           </a:p>
         </p:txBody>
@@ -17712,7 +17588,7 @@
     </p:spTree>
     <p:extLst>
       <p:ext uri="{BB962C8B-B14F-4D97-AF65-F5344CB8AC3E}">
-        <p14:creationId xmlns:p14="http://schemas.microsoft.com/office/powerpoint/2010/main" val="2992737133"/>
+        <p14:creationId xmlns:p14="http://schemas.microsoft.com/office/powerpoint/2010/main" val="871819085"/>
       </p:ext>
     </p:extLst>
   </p:cSld>
@@ -17763,7 +17639,7 @@
           <a:p>
             <a:r>
               <a:rPr lang="en-US" dirty="0" smtClean="0"/>
-              <a:t>Engineering Design</a:t>
+              <a:t>Budget</a:t>
             </a:r>
             <a:endParaRPr lang="en-US" dirty="0"/>
           </a:p>
@@ -17784,34 +17660,81 @@
           <a:bodyPr/>
           <a:lstStyle/>
           <a:p>
-            <a:r>
-              <a:rPr lang="en-US" dirty="0" smtClean="0"/>
-              <a:t>Data when moving fingers</a:t>
-            </a:r>
-          </a:p>
-          <a:p>
-            <a:r>
-              <a:rPr lang="en-US" dirty="0" smtClean="0"/>
-              <a:t>Signals when moving wrist</a:t>
-            </a:r>
-          </a:p>
-          <a:p>
-            <a:r>
-              <a:rPr lang="en-US" dirty="0" smtClean="0"/>
-              <a:t>Signals when </a:t>
-            </a:r>
-            <a:r>
+            <a:endParaRPr lang="en-US" dirty="0"/>
+          </a:p>
+        </p:txBody>
+      </p:sp>
+      <p:sp>
+        <p:nvSpPr>
+          <p:cNvPr id="4" name="Date Placeholder 3"/>
+          <p:cNvSpPr>
+            <a:spLocks noGrp="1"/>
+          </p:cNvSpPr>
+          <p:nvPr>
+            <p:ph type="dt" sz="half" idx="10"/>
+          </p:nvPr>
+        </p:nvSpPr>
+        <p:spPr/>
+        <p:txBody>
+          <a:bodyPr/>
+          <a:lstStyle/>
+          <a:p>
+            <a:fld id="{A2EFF424-F111-43CB-9C75-D52325012943}" type="datetime1">
               <a:rPr lang="en-US" smtClean="0"/>
-              <a:t>grabbing objects</a:t>
-            </a:r>
-            <a:endParaRPr lang="en-US" dirty="0"/>
+              <a:pPr/>
+              <a:t>9/23/2013</a:t>
+            </a:fld>
+            <a:endParaRPr lang="en-US"/>
+          </a:p>
+        </p:txBody>
+      </p:sp>
+      <p:sp>
+        <p:nvSpPr>
+          <p:cNvPr id="5" name="Footer Placeholder 4"/>
+          <p:cNvSpPr>
+            <a:spLocks noGrp="1"/>
+          </p:cNvSpPr>
+          <p:nvPr>
+            <p:ph type="ftr" sz="quarter" idx="11"/>
+          </p:nvPr>
+        </p:nvSpPr>
+        <p:spPr/>
+        <p:txBody>
+          <a:bodyPr/>
+          <a:lstStyle/>
+          <a:p>
+            <a:endParaRPr lang="en-US"/>
+          </a:p>
+        </p:txBody>
+      </p:sp>
+      <p:sp>
+        <p:nvSpPr>
+          <p:cNvPr id="6" name="Slide Number Placeholder 5"/>
+          <p:cNvSpPr>
+            <a:spLocks noGrp="1"/>
+          </p:cNvSpPr>
+          <p:nvPr>
+            <p:ph type="sldNum" sz="quarter" idx="12"/>
+          </p:nvPr>
+        </p:nvSpPr>
+        <p:spPr/>
+        <p:txBody>
+          <a:bodyPr/>
+          <a:lstStyle/>
+          <a:p>
+            <a:fld id="{F7886C9C-DC18-4195-8FD5-A50AA931D419}" type="slidenum">
+              <a:rPr lang="en-US" smtClean="0"/>
+              <a:pPr/>
+              <a:t>29</a:t>
+            </a:fld>
+            <a:endParaRPr lang="en-US"/>
           </a:p>
         </p:txBody>
       </p:sp>
     </p:spTree>
     <p:extLst>
       <p:ext uri="{BB962C8B-B14F-4D97-AF65-F5344CB8AC3E}">
-        <p14:creationId xmlns:p14="http://schemas.microsoft.com/office/powerpoint/2010/main" val="871819085"/>
+        <p14:creationId xmlns:p14="http://schemas.microsoft.com/office/powerpoint/2010/main" val="2091650337"/>
       </p:ext>
     </p:extLst>
   </p:cSld>
@@ -17857,6 +17780,793 @@
         </p:nvSpPr>
         <p:spPr/>
         <p:txBody>
+          <a:bodyPr/>
+          <a:lstStyle/>
+          <a:p>
+            <a:r>
+              <a:rPr lang="en-US" dirty="0" smtClean="0"/>
+              <a:t>Societal Impact</a:t>
+            </a:r>
+            <a:endParaRPr lang="en-US" dirty="0"/>
+          </a:p>
+        </p:txBody>
+      </p:sp>
+      <p:sp>
+        <p:nvSpPr>
+          <p:cNvPr id="3" name="Content Placeholder 2"/>
+          <p:cNvSpPr>
+            <a:spLocks noGrp="1"/>
+          </p:cNvSpPr>
+          <p:nvPr>
+            <p:ph idx="1"/>
+          </p:nvPr>
+        </p:nvSpPr>
+        <p:spPr>
+          <a:xfrm>
+            <a:off x="3505200" y="1676400"/>
+            <a:ext cx="8229600" cy="4525963"/>
+          </a:xfrm>
+        </p:spPr>
+        <p:txBody>
+          <a:bodyPr/>
+          <a:lstStyle/>
+          <a:p>
+            <a:r>
+              <a:rPr lang="en-US" dirty="0" smtClean="0"/>
+              <a:t>Prosthetic</a:t>
+            </a:r>
+          </a:p>
+          <a:p>
+            <a:r>
+              <a:rPr lang="en-US" dirty="0" smtClean="0"/>
+              <a:t>Manufacturing and </a:t>
+            </a:r>
+            <a:br>
+              <a:rPr lang="en-US" dirty="0" smtClean="0"/>
+            </a:br>
+            <a:r>
+              <a:rPr lang="en-US" dirty="0" smtClean="0"/>
+              <a:t>automation</a:t>
+            </a:r>
+          </a:p>
+          <a:p>
+            <a:r>
+              <a:rPr lang="en-US" dirty="0" smtClean="0"/>
+              <a:t>Handling of dangerous </a:t>
+            </a:r>
+            <a:br>
+              <a:rPr lang="en-US" dirty="0" smtClean="0"/>
+            </a:br>
+            <a:r>
+              <a:rPr lang="en-US" dirty="0" smtClean="0"/>
+              <a:t>materials</a:t>
+            </a:r>
+          </a:p>
+          <a:p>
+            <a:r>
+              <a:rPr lang="en-US" dirty="0" smtClean="0"/>
+              <a:t>Open source</a:t>
+            </a:r>
+          </a:p>
+          <a:p>
+            <a:endParaRPr lang="en-US" dirty="0" smtClean="0"/>
+          </a:p>
+          <a:p>
+            <a:endParaRPr lang="en-US" dirty="0"/>
+          </a:p>
+        </p:txBody>
+      </p:sp>
+      <p:pic>
+        <p:nvPicPr>
+          <p:cNvPr id="3075" name="Picture 3" descr="C:\Users\Class2013\Pictures\Senior D Project\present4.jpg"/>
+          <p:cNvPicPr>
+            <a:picLocks noChangeAspect="1" noChangeArrowheads="1"/>
+          </p:cNvPicPr>
+          <p:nvPr/>
+        </p:nvPicPr>
+        <p:blipFill>
+          <a:blip r:embed="rId2" cstate="print"/>
+          <a:srcRect/>
+          <a:stretch>
+            <a:fillRect/>
+          </a:stretch>
+        </p:blipFill>
+        <p:spPr bwMode="auto">
+          <a:xfrm>
+            <a:off x="381000" y="1752600"/>
+            <a:ext cx="3124200" cy="3214611"/>
+          </a:xfrm>
+          <a:prstGeom prst="rect">
+            <a:avLst/>
+          </a:prstGeom>
+          <a:noFill/>
+        </p:spPr>
+      </p:pic>
+    </p:spTree>
+    <p:extLst>
+      <p:ext uri="{BB962C8B-B14F-4D97-AF65-F5344CB8AC3E}">
+        <p14:creationId xmlns:p14="http://schemas.microsoft.com/office/powerpoint/2010/main" val="846913232"/>
+      </p:ext>
+    </p:extLst>
+  </p:cSld>
+  <p:clrMapOvr>
+    <a:masterClrMapping/>
+  </p:clrMapOvr>
+  <p:timing>
+    <p:tnLst>
+      <p:par>
+        <p:cTn id="1" dur="indefinite" restart="never" nodeType="tmRoot"/>
+      </p:par>
+    </p:tnLst>
+  </p:timing>
+</p:sld>
+</file>
+
+<file path=ppt/slides/slide30.xml><?xml version="1.0" encoding="utf-8"?>
+<p:sld xmlns:a="http://schemas.openxmlformats.org/drawingml/2006/main" xmlns:r="http://schemas.openxmlformats.org/officeDocument/2006/relationships" xmlns:p="http://schemas.openxmlformats.org/presentationml/2006/main">
+  <p:cSld>
+    <p:spTree>
+      <p:nvGrpSpPr>
+        <p:cNvPr id="1" name=""/>
+        <p:cNvGrpSpPr/>
+        <p:nvPr/>
+      </p:nvGrpSpPr>
+      <p:grpSpPr>
+        <a:xfrm>
+          <a:off x="0" y="0"/>
+          <a:ext cx="0" cy="0"/>
+          <a:chOff x="0" y="0"/>
+          <a:chExt cx="0" cy="0"/>
+        </a:xfrm>
+      </p:grpSpPr>
+      <p:sp>
+        <p:nvSpPr>
+          <p:cNvPr id="2" name="Title 1"/>
+          <p:cNvSpPr>
+            <a:spLocks noGrp="1"/>
+          </p:cNvSpPr>
+          <p:nvPr>
+            <p:ph type="title"/>
+          </p:nvPr>
+        </p:nvSpPr>
+        <p:spPr/>
+        <p:txBody>
+          <a:bodyPr/>
+          <a:lstStyle/>
+          <a:p>
+            <a:r>
+              <a:rPr lang="en-US" dirty="0" smtClean="0"/>
+              <a:t>Deliverables at end of Semester  </a:t>
+            </a:r>
+            <a:endParaRPr lang="en-US" dirty="0"/>
+          </a:p>
+        </p:txBody>
+      </p:sp>
+      <p:sp>
+        <p:nvSpPr>
+          <p:cNvPr id="3" name="Content Placeholder 2"/>
+          <p:cNvSpPr>
+            <a:spLocks noGrp="1"/>
+          </p:cNvSpPr>
+          <p:nvPr>
+            <p:ph idx="1"/>
+          </p:nvPr>
+        </p:nvSpPr>
+        <p:spPr/>
+        <p:txBody>
+          <a:bodyPr>
+            <a:normAutofit/>
+          </a:bodyPr>
+          <a:lstStyle/>
+          <a:p>
+            <a:r>
+              <a:rPr lang="en-US" dirty="0" smtClean="0"/>
+              <a:t>Gain significant knowledge in the </a:t>
+            </a:r>
+            <a:r>
+              <a:rPr lang="en-US" dirty="0" smtClean="0"/>
+              <a:t>materials and robotics </a:t>
+            </a:r>
+            <a:r>
+              <a:rPr lang="en-US" dirty="0" smtClean="0"/>
+              <a:t>field</a:t>
+            </a:r>
+            <a:endParaRPr lang="en-US" dirty="0" smtClean="0"/>
+          </a:p>
+          <a:p>
+            <a:r>
+              <a:rPr lang="en-US" dirty="0" err="1" smtClean="0"/>
+              <a:t>OpenSCAD</a:t>
+            </a:r>
+            <a:r>
+              <a:rPr lang="en-US" dirty="0" smtClean="0"/>
+              <a:t> </a:t>
+            </a:r>
+            <a:r>
+              <a:rPr lang="en-US" dirty="0"/>
+              <a:t>will be used </a:t>
+            </a:r>
+            <a:r>
+              <a:rPr lang="en-US" dirty="0" smtClean="0"/>
+              <a:t>to </a:t>
+            </a:r>
+            <a:r>
+              <a:rPr lang="en-US" dirty="0" smtClean="0"/>
+              <a:t>finalize design and create </a:t>
+            </a:r>
+            <a:r>
+              <a:rPr lang="en-US" dirty="0"/>
+              <a:t>a complete prototype of the </a:t>
+            </a:r>
+            <a:r>
+              <a:rPr lang="en-US" dirty="0" smtClean="0"/>
+              <a:t>device </a:t>
+            </a:r>
+            <a:r>
+              <a:rPr lang="en-US" dirty="0"/>
+              <a:t>in Phases II and III. </a:t>
+            </a:r>
+          </a:p>
+          <a:p>
+            <a:r>
+              <a:rPr lang="en-US" dirty="0" smtClean="0"/>
+              <a:t>Finalized Bill of Materials</a:t>
+            </a:r>
+          </a:p>
+          <a:p>
+            <a:r>
+              <a:rPr lang="en-US" dirty="0" smtClean="0"/>
+              <a:t>Understand and address the impact of the design in ethical, environmental, social, political, health and safety, sustainability, standardization/standards </a:t>
+            </a:r>
+            <a:r>
+              <a:rPr lang="en-US" dirty="0" smtClean="0"/>
+              <a:t>context</a:t>
+            </a:r>
+          </a:p>
+          <a:p>
+            <a:r>
+              <a:rPr lang="en-US" dirty="0" smtClean="0"/>
+              <a:t>Complete technical analysis</a:t>
+            </a:r>
+          </a:p>
+          <a:p>
+            <a:r>
+              <a:rPr lang="en-US" dirty="0"/>
+              <a:t>T</a:t>
+            </a:r>
+            <a:r>
+              <a:rPr lang="en-US" dirty="0" smtClean="0"/>
+              <a:t>es</a:t>
+            </a:r>
+            <a:r>
+              <a:rPr lang="en-US" dirty="0" smtClean="0"/>
+              <a:t>ting of designs and interfaces </a:t>
+            </a:r>
+          </a:p>
+          <a:p>
+            <a:r>
+              <a:rPr lang="en-US" dirty="0" smtClean="0"/>
+              <a:t>Website design</a:t>
+            </a:r>
+            <a:endParaRPr lang="en-US" dirty="0"/>
+          </a:p>
+        </p:txBody>
+      </p:sp>
+    </p:spTree>
+    <p:extLst>
+      <p:ext uri="{BB962C8B-B14F-4D97-AF65-F5344CB8AC3E}">
+        <p14:creationId xmlns:p14="http://schemas.microsoft.com/office/powerpoint/2010/main" val="1075286210"/>
+      </p:ext>
+    </p:extLst>
+  </p:cSld>
+  <p:clrMapOvr>
+    <a:masterClrMapping/>
+  </p:clrMapOvr>
+  <p:timing>
+    <p:tnLst>
+      <p:par>
+        <p:cTn id="1" dur="indefinite" restart="never" nodeType="tmRoot"/>
+      </p:par>
+    </p:tnLst>
+  </p:timing>
+</p:sld>
+</file>
+
+<file path=ppt/slides/slide31.xml><?xml version="1.0" encoding="utf-8"?>
+<p:sld xmlns:a="http://schemas.openxmlformats.org/drawingml/2006/main" xmlns:r="http://schemas.openxmlformats.org/officeDocument/2006/relationships" xmlns:p="http://schemas.openxmlformats.org/presentationml/2006/main">
+  <p:cSld>
+    <p:spTree>
+      <p:nvGrpSpPr>
+        <p:cNvPr id="1" name=""/>
+        <p:cNvGrpSpPr/>
+        <p:nvPr/>
+      </p:nvGrpSpPr>
+      <p:grpSpPr>
+        <a:xfrm>
+          <a:off x="0" y="0"/>
+          <a:ext cx="0" cy="0"/>
+          <a:chOff x="0" y="0"/>
+          <a:chExt cx="0" cy="0"/>
+        </a:xfrm>
+      </p:grpSpPr>
+      <p:sp>
+        <p:nvSpPr>
+          <p:cNvPr id="2" name="Title 1"/>
+          <p:cNvSpPr>
+            <a:spLocks noGrp="1"/>
+          </p:cNvSpPr>
+          <p:nvPr>
+            <p:ph type="title"/>
+          </p:nvPr>
+        </p:nvSpPr>
+        <p:spPr/>
+        <p:txBody>
+          <a:bodyPr/>
+          <a:lstStyle/>
+          <a:p>
+            <a:r>
+              <a:rPr lang="en-US" dirty="0" smtClean="0"/>
+              <a:t>Gantt chart</a:t>
+            </a:r>
+            <a:endParaRPr lang="en-US" dirty="0"/>
+          </a:p>
+        </p:txBody>
+      </p:sp>
+      <p:sp>
+        <p:nvSpPr>
+          <p:cNvPr id="3" name="Content Placeholder 2"/>
+          <p:cNvSpPr>
+            <a:spLocks noGrp="1"/>
+          </p:cNvSpPr>
+          <p:nvPr>
+            <p:ph idx="1"/>
+          </p:nvPr>
+        </p:nvSpPr>
+        <p:spPr/>
+        <p:txBody>
+          <a:bodyPr/>
+          <a:lstStyle/>
+          <a:p>
+            <a:endParaRPr lang="en-US"/>
+          </a:p>
+        </p:txBody>
+      </p:sp>
+      <p:sp>
+        <p:nvSpPr>
+          <p:cNvPr id="4" name="Date Placeholder 3"/>
+          <p:cNvSpPr>
+            <a:spLocks noGrp="1"/>
+          </p:cNvSpPr>
+          <p:nvPr>
+            <p:ph type="dt" sz="half" idx="10"/>
+          </p:nvPr>
+        </p:nvSpPr>
+        <p:spPr/>
+        <p:txBody>
+          <a:bodyPr/>
+          <a:lstStyle/>
+          <a:p>
+            <a:fld id="{A2EFF424-F111-43CB-9C75-D52325012943}" type="datetime1">
+              <a:rPr lang="en-US" smtClean="0"/>
+              <a:pPr/>
+              <a:t>9/23/2013</a:t>
+            </a:fld>
+            <a:endParaRPr lang="en-US"/>
+          </a:p>
+        </p:txBody>
+      </p:sp>
+      <p:sp>
+        <p:nvSpPr>
+          <p:cNvPr id="5" name="Footer Placeholder 4"/>
+          <p:cNvSpPr>
+            <a:spLocks noGrp="1"/>
+          </p:cNvSpPr>
+          <p:nvPr>
+            <p:ph type="ftr" sz="quarter" idx="11"/>
+          </p:nvPr>
+        </p:nvSpPr>
+        <p:spPr/>
+        <p:txBody>
+          <a:bodyPr/>
+          <a:lstStyle/>
+          <a:p>
+            <a:endParaRPr lang="en-US"/>
+          </a:p>
+        </p:txBody>
+      </p:sp>
+      <p:sp>
+        <p:nvSpPr>
+          <p:cNvPr id="6" name="Slide Number Placeholder 5"/>
+          <p:cNvSpPr>
+            <a:spLocks noGrp="1"/>
+          </p:cNvSpPr>
+          <p:nvPr>
+            <p:ph type="sldNum" sz="quarter" idx="12"/>
+          </p:nvPr>
+        </p:nvSpPr>
+        <p:spPr/>
+        <p:txBody>
+          <a:bodyPr/>
+          <a:lstStyle/>
+          <a:p>
+            <a:fld id="{F7886C9C-DC18-4195-8FD5-A50AA931D419}" type="slidenum">
+              <a:rPr lang="en-US" smtClean="0"/>
+              <a:pPr/>
+              <a:t>31</a:t>
+            </a:fld>
+            <a:endParaRPr lang="en-US"/>
+          </a:p>
+        </p:txBody>
+      </p:sp>
+    </p:spTree>
+    <p:extLst>
+      <p:ext uri="{BB962C8B-B14F-4D97-AF65-F5344CB8AC3E}">
+        <p14:creationId xmlns:p14="http://schemas.microsoft.com/office/powerpoint/2010/main" val="1579433436"/>
+      </p:ext>
+    </p:extLst>
+  </p:cSld>
+  <p:clrMapOvr>
+    <a:masterClrMapping/>
+  </p:clrMapOvr>
+  <p:timing>
+    <p:tnLst>
+      <p:par>
+        <p:cTn id="1" dur="indefinite" restart="never" nodeType="tmRoot"/>
+      </p:par>
+    </p:tnLst>
+  </p:timing>
+</p:sld>
+</file>
+
+<file path=ppt/slides/slide4.xml><?xml version="1.0" encoding="utf-8"?>
+<p:sld xmlns:a="http://schemas.openxmlformats.org/drawingml/2006/main" xmlns:r="http://schemas.openxmlformats.org/officeDocument/2006/relationships" xmlns:p="http://schemas.openxmlformats.org/presentationml/2006/main">
+  <p:cSld>
+    <p:spTree>
+      <p:nvGrpSpPr>
+        <p:cNvPr id="1" name=""/>
+        <p:cNvGrpSpPr/>
+        <p:nvPr/>
+      </p:nvGrpSpPr>
+      <p:grpSpPr>
+        <a:xfrm>
+          <a:off x="0" y="0"/>
+          <a:ext cx="0" cy="0"/>
+          <a:chOff x="0" y="0"/>
+          <a:chExt cx="0" cy="0"/>
+        </a:xfrm>
+      </p:grpSpPr>
+      <p:sp>
+        <p:nvSpPr>
+          <p:cNvPr id="2" name="Title 1"/>
+          <p:cNvSpPr>
+            <a:spLocks noGrp="1"/>
+          </p:cNvSpPr>
+          <p:nvPr>
+            <p:ph type="title"/>
+          </p:nvPr>
+        </p:nvSpPr>
+        <p:spPr/>
+        <p:txBody>
+          <a:bodyPr>
+            <a:normAutofit/>
+          </a:bodyPr>
+          <a:lstStyle/>
+          <a:p>
+            <a:r>
+              <a:rPr lang="en-US" dirty="0" smtClean="0"/>
+              <a:t>State-of-the-Art Designs</a:t>
+            </a:r>
+            <a:endParaRPr lang="en-US" dirty="0"/>
+          </a:p>
+        </p:txBody>
+      </p:sp>
+      <p:sp>
+        <p:nvSpPr>
+          <p:cNvPr id="3" name="Content Placeholder 2"/>
+          <p:cNvSpPr>
+            <a:spLocks noGrp="1"/>
+          </p:cNvSpPr>
+          <p:nvPr>
+            <p:ph idx="1"/>
+          </p:nvPr>
+        </p:nvSpPr>
+        <p:spPr>
+          <a:xfrm>
+            <a:off x="457200" y="1528273"/>
+            <a:ext cx="8229600" cy="5334000"/>
+          </a:xfrm>
+        </p:spPr>
+        <p:txBody>
+          <a:bodyPr>
+            <a:normAutofit fontScale="47500" lnSpcReduction="20000"/>
+          </a:bodyPr>
+          <a:lstStyle/>
+          <a:p>
+            <a:pPr>
+              <a:buNone/>
+            </a:pPr>
+            <a:r>
+              <a:rPr lang="en-US" sz="5700" b="1" dirty="0" smtClean="0"/>
+              <a:t>bebionic3 Hand – used as human prosthesis</a:t>
+            </a:r>
+          </a:p>
+          <a:p>
+            <a:pPr>
+              <a:buNone/>
+            </a:pPr>
+            <a:endParaRPr lang="en-US" sz="1900" b="1" dirty="0" smtClean="0"/>
+          </a:p>
+          <a:p>
+            <a:pPr fontAlgn="base"/>
+            <a:r>
+              <a:rPr lang="en-US" sz="4200" b="1" dirty="0"/>
+              <a:t>Individual Motors</a:t>
+            </a:r>
+            <a:r>
+              <a:rPr lang="en-US" sz="4200" dirty="0"/>
+              <a:t> in each </a:t>
+            </a:r>
+            <a:r>
+              <a:rPr lang="en-US" sz="4200" dirty="0" smtClean="0"/>
+              <a:t>finger. The </a:t>
+            </a:r>
+            <a:r>
+              <a:rPr lang="en-US" sz="4200" dirty="0"/>
+              <a:t>motors are positioned to </a:t>
+            </a:r>
+            <a:r>
+              <a:rPr lang="en-US" sz="4200" dirty="0" smtClean="0"/>
+              <a:t>optimize </a:t>
+            </a:r>
+            <a:r>
+              <a:rPr lang="en-US" sz="4200" dirty="0"/>
+              <a:t>weight </a:t>
+            </a:r>
+            <a:r>
+              <a:rPr lang="en-US" sz="4200" dirty="0" smtClean="0"/>
+              <a:t>distribution, making </a:t>
+            </a:r>
+            <a:r>
+              <a:rPr lang="en-US" sz="4200" dirty="0"/>
+              <a:t>the hand feel lighter and more comfortable.</a:t>
+            </a:r>
+          </a:p>
+          <a:p>
+            <a:pPr fontAlgn="base"/>
+            <a:r>
+              <a:rPr lang="en-US" sz="4200" b="1" dirty="0" smtClean="0"/>
+              <a:t>14 </a:t>
+            </a:r>
+            <a:r>
+              <a:rPr lang="en-US" sz="4200" b="1" dirty="0"/>
+              <a:t>Selectable grip patterns</a:t>
+            </a:r>
+            <a:r>
+              <a:rPr lang="en-US" sz="4200" dirty="0"/>
+              <a:t> and hand </a:t>
+            </a:r>
+            <a:r>
+              <a:rPr lang="en-US" sz="4200" dirty="0" smtClean="0"/>
+              <a:t>positions</a:t>
+            </a:r>
+            <a:endParaRPr lang="en-US" sz="4200" dirty="0"/>
+          </a:p>
+          <a:p>
+            <a:pPr fontAlgn="base"/>
+            <a:r>
+              <a:rPr lang="en-US" sz="4200" b="1" dirty="0"/>
+              <a:t>Proportional Speed Control</a:t>
+            </a:r>
+            <a:r>
+              <a:rPr lang="en-US" sz="4200" dirty="0"/>
+              <a:t> gives you precision control over delicate tasks, so you can pick up an egg </a:t>
+            </a:r>
+            <a:r>
+              <a:rPr lang="en-US" sz="4200" dirty="0" smtClean="0"/>
+              <a:t>as </a:t>
+            </a:r>
+            <a:r>
+              <a:rPr lang="en-US" sz="4200" dirty="0"/>
+              <a:t>easily as crushing an empty can.</a:t>
+            </a:r>
+          </a:p>
+          <a:p>
+            <a:pPr fontAlgn="base"/>
+            <a:r>
+              <a:rPr lang="en-US" sz="4200" b="1" dirty="0" smtClean="0"/>
+              <a:t>Durable </a:t>
+            </a:r>
+            <a:r>
+              <a:rPr lang="en-US" sz="4200" b="1" dirty="0"/>
+              <a:t>construction</a:t>
+            </a:r>
+            <a:r>
+              <a:rPr lang="en-US" sz="4200" dirty="0"/>
+              <a:t> and advanced materials </a:t>
+            </a:r>
+            <a:r>
+              <a:rPr lang="en-US" sz="4200" dirty="0" smtClean="0"/>
+              <a:t>makes</a:t>
+            </a:r>
+          </a:p>
+          <a:p>
+            <a:pPr fontAlgn="base">
+              <a:buNone/>
+            </a:pPr>
+            <a:r>
+              <a:rPr lang="en-US" sz="4200" dirty="0" smtClean="0"/>
+              <a:t>	 </a:t>
+            </a:r>
+            <a:r>
+              <a:rPr lang="en-US" sz="4200" dirty="0"/>
+              <a:t>bebionic3 strong enough to handle up to 45kg </a:t>
+            </a:r>
+            <a:endParaRPr lang="en-US" sz="4200" dirty="0" smtClean="0"/>
+          </a:p>
+          <a:p>
+            <a:pPr fontAlgn="base"/>
+            <a:r>
+              <a:rPr lang="en-US" sz="4200" b="1" dirty="0" smtClean="0"/>
+              <a:t>Selectable thumb positions</a:t>
+            </a:r>
+            <a:endParaRPr lang="en-US" sz="4200" dirty="0"/>
+          </a:p>
+          <a:p>
+            <a:pPr fontAlgn="base"/>
+            <a:r>
+              <a:rPr lang="en-US" sz="4200" b="1" dirty="0"/>
+              <a:t>Innovative palm design</a:t>
+            </a:r>
+            <a:r>
+              <a:rPr lang="en-US" sz="4200" dirty="0"/>
+              <a:t> protects bebionic3 </a:t>
+            </a:r>
+            <a:endParaRPr lang="en-US" sz="4200" dirty="0" smtClean="0"/>
+          </a:p>
+          <a:p>
+            <a:pPr fontAlgn="base">
+              <a:buNone/>
+            </a:pPr>
+            <a:r>
+              <a:rPr lang="en-US" sz="4200" dirty="0"/>
+              <a:t>	</a:t>
+            </a:r>
+            <a:r>
+              <a:rPr lang="en-US" sz="4200" dirty="0" smtClean="0"/>
+              <a:t>from </a:t>
+            </a:r>
+            <a:r>
+              <a:rPr lang="en-US" sz="4200" dirty="0"/>
+              <a:t>impact damage, and makes the hand </a:t>
+            </a:r>
+            <a:endParaRPr lang="en-US" sz="4200" dirty="0" smtClean="0"/>
+          </a:p>
+          <a:p>
+            <a:pPr fontAlgn="base">
+              <a:buNone/>
+            </a:pPr>
+            <a:r>
+              <a:rPr lang="en-US" sz="4200" dirty="0"/>
+              <a:t>	</a:t>
+            </a:r>
+            <a:r>
+              <a:rPr lang="en-US" sz="4200" dirty="0" smtClean="0"/>
+              <a:t>quieter </a:t>
+            </a:r>
+            <a:r>
+              <a:rPr lang="en-US" sz="4200" dirty="0" smtClean="0"/>
+              <a:t>than ever</a:t>
+            </a:r>
+            <a:r>
+              <a:rPr lang="en-US" sz="4200" dirty="0"/>
+              <a:t>.</a:t>
+            </a:r>
+          </a:p>
+          <a:p>
+            <a:pPr fontAlgn="base"/>
+            <a:r>
+              <a:rPr lang="en-US" sz="4200" b="1" dirty="0"/>
+              <a:t>Soft finger pads</a:t>
+            </a:r>
+            <a:r>
+              <a:rPr lang="en-US" sz="4200" dirty="0"/>
+              <a:t> </a:t>
+            </a:r>
+            <a:r>
+              <a:rPr lang="en-US" sz="4200" dirty="0" smtClean="0"/>
+              <a:t>that enhance </a:t>
+            </a:r>
+            <a:r>
+              <a:rPr lang="en-US" sz="4200" dirty="0"/>
+              <a:t>grip.</a:t>
+            </a:r>
+          </a:p>
+          <a:p>
+            <a:endParaRPr lang="en-US" dirty="0"/>
+          </a:p>
+        </p:txBody>
+      </p:sp>
+      <p:pic>
+        <p:nvPicPr>
+          <p:cNvPr id="1028" name="Picture 4"/>
+          <p:cNvPicPr>
+            <a:picLocks noChangeAspect="1" noChangeArrowheads="1"/>
+          </p:cNvPicPr>
+          <p:nvPr/>
+        </p:nvPicPr>
+        <p:blipFill>
+          <a:blip r:embed="rId2" cstate="print"/>
+          <a:srcRect/>
+          <a:stretch>
+            <a:fillRect/>
+          </a:stretch>
+        </p:blipFill>
+        <p:spPr bwMode="auto">
+          <a:xfrm>
+            <a:off x="6477000" y="4419600"/>
+            <a:ext cx="2667000" cy="2438400"/>
+          </a:xfrm>
+          <a:prstGeom prst="rect">
+            <a:avLst/>
+          </a:prstGeom>
+          <a:noFill/>
+          <a:ln w="9525">
+            <a:noFill/>
+            <a:miter lim="800000"/>
+            <a:headEnd/>
+            <a:tailEnd/>
+          </a:ln>
+        </p:spPr>
+      </p:pic>
+    </p:spTree>
+    <p:extLst>
+      <p:ext uri="{BB962C8B-B14F-4D97-AF65-F5344CB8AC3E}">
+        <p14:creationId xmlns:p14="http://schemas.microsoft.com/office/powerpoint/2010/main" val="957870213"/>
+      </p:ext>
+    </p:extLst>
+  </p:cSld>
+  <p:clrMapOvr>
+    <a:masterClrMapping/>
+  </p:clrMapOvr>
+  <p:timing>
+    <p:tnLst>
+      <p:par>
+        <p:cTn id="1" dur="indefinite" restart="never" nodeType="tmRoot"/>
+      </p:par>
+    </p:tnLst>
+  </p:timing>
+</p:sld>
+</file>
+
+<file path=ppt/slides/slide5.xml><?xml version="1.0" encoding="utf-8"?>
+<p:sld xmlns:a="http://schemas.openxmlformats.org/drawingml/2006/main" xmlns:r="http://schemas.openxmlformats.org/officeDocument/2006/relationships" xmlns:p="http://schemas.openxmlformats.org/presentationml/2006/main">
+  <p:cSld>
+    <p:spTree>
+      <p:nvGrpSpPr>
+        <p:cNvPr id="1" name=""/>
+        <p:cNvGrpSpPr/>
+        <p:nvPr/>
+      </p:nvGrpSpPr>
+      <p:grpSpPr>
+        <a:xfrm>
+          <a:off x="0" y="0"/>
+          <a:ext cx="0" cy="0"/>
+          <a:chOff x="0" y="0"/>
+          <a:chExt cx="0" cy="0"/>
+        </a:xfrm>
+      </p:grpSpPr>
+      <p:sp>
+        <p:nvSpPr>
+          <p:cNvPr id="2" name="Title 1"/>
+          <p:cNvSpPr>
+            <a:spLocks noGrp="1"/>
+          </p:cNvSpPr>
+          <p:nvPr>
+            <p:ph type="title"/>
+          </p:nvPr>
+        </p:nvSpPr>
+        <p:spPr/>
+        <p:txBody>
           <a:bodyPr>
             <a:normAutofit/>
           </a:bodyPr>
@@ -18034,7 +18744,7 @@
         </p:blipFill>
         <p:spPr bwMode="auto">
           <a:xfrm>
-            <a:off x="4876800" y="3962400"/>
+            <a:off x="4870391" y="4114800"/>
             <a:ext cx="4047533" cy="2438400"/>
           </a:xfrm>
           <a:prstGeom prst="rect">
@@ -18069,7 +18779,7 @@
 </p:sld>
 </file>
 
-<file path=ppt/slides/slide4.xml><?xml version="1.0" encoding="utf-8"?>
+<file path=ppt/slides/slide6.xml><?xml version="1.0" encoding="utf-8"?>
 <p:sld xmlns:a="http://schemas.openxmlformats.org/drawingml/2006/main" xmlns:r="http://schemas.openxmlformats.org/officeDocument/2006/relationships" xmlns:p="http://schemas.openxmlformats.org/presentationml/2006/main">
   <p:cSld>
     <p:spTree>
@@ -18251,7 +18961,7 @@
 </p:sld>
 </file>
 
-<file path=ppt/slides/slide5.xml><?xml version="1.0" encoding="utf-8"?>
+<file path=ppt/slides/slide7.xml><?xml version="1.0" encoding="utf-8"?>
 <p:sld xmlns:a="http://schemas.openxmlformats.org/drawingml/2006/main" xmlns:r="http://schemas.openxmlformats.org/officeDocument/2006/relationships" xmlns:p="http://schemas.openxmlformats.org/presentationml/2006/main">
   <p:cSld>
     <p:spTree>
@@ -18460,7 +19170,7 @@
 </p:sld>
 </file>
 
-<file path=ppt/slides/slide6.xml><?xml version="1.0" encoding="utf-8"?>
+<file path=ppt/slides/slide8.xml><?xml version="1.0" encoding="utf-8"?>
 <p:sld xmlns:a="http://schemas.openxmlformats.org/drawingml/2006/main" xmlns:r="http://schemas.openxmlformats.org/officeDocument/2006/relationships" xmlns:p="http://schemas.openxmlformats.org/presentationml/2006/main">
   <p:cSld>
     <p:spTree>
@@ -18652,7 +19362,7 @@
 </p:sld>
 </file>
 
-<file path=ppt/slides/slide7.xml><?xml version="1.0" encoding="utf-8"?>
+<file path=ppt/slides/slide9.xml><?xml version="1.0" encoding="utf-8"?>
 <p:sld xmlns:a="http://schemas.openxmlformats.org/drawingml/2006/main" xmlns:r="http://schemas.openxmlformats.org/officeDocument/2006/relationships" xmlns:p="http://schemas.openxmlformats.org/presentationml/2006/main">
   <p:cSld>
     <p:spTree>
@@ -18826,347 +19536,6 @@
     <p:extLst>
       <p:ext uri="{BB962C8B-B14F-4D97-AF65-F5344CB8AC3E}">
         <p14:creationId xmlns:p14="http://schemas.microsoft.com/office/powerpoint/2010/main" val="3663131689"/>
-      </p:ext>
-    </p:extLst>
-  </p:cSld>
-  <p:clrMapOvr>
-    <a:masterClrMapping/>
-  </p:clrMapOvr>
-  <p:timing>
-    <p:tnLst>
-      <p:par>
-        <p:cTn id="1" dur="indefinite" restart="never" nodeType="tmRoot"/>
-      </p:par>
-    </p:tnLst>
-  </p:timing>
-</p:sld>
-</file>
-
-<file path=ppt/slides/slide8.xml><?xml version="1.0" encoding="utf-8"?>
-<p:sld xmlns:a="http://schemas.openxmlformats.org/drawingml/2006/main" xmlns:r="http://schemas.openxmlformats.org/officeDocument/2006/relationships" xmlns:p="http://schemas.openxmlformats.org/presentationml/2006/main">
-  <p:cSld>
-    <p:spTree>
-      <p:nvGrpSpPr>
-        <p:cNvPr id="1" name=""/>
-        <p:cNvGrpSpPr/>
-        <p:nvPr/>
-      </p:nvGrpSpPr>
-      <p:grpSpPr>
-        <a:xfrm>
-          <a:off x="0" y="0"/>
-          <a:ext cx="0" cy="0"/>
-          <a:chOff x="0" y="0"/>
-          <a:chExt cx="0" cy="0"/>
-        </a:xfrm>
-      </p:grpSpPr>
-      <p:sp>
-        <p:nvSpPr>
-          <p:cNvPr id="2" name="Title 1"/>
-          <p:cNvSpPr>
-            <a:spLocks noGrp="1"/>
-          </p:cNvSpPr>
-          <p:nvPr>
-            <p:ph type="title"/>
-          </p:nvPr>
-        </p:nvSpPr>
-        <p:spPr/>
-        <p:txBody>
-          <a:bodyPr/>
-          <a:lstStyle/>
-          <a:p>
-            <a:r>
-              <a:rPr lang="en-US" dirty="0" smtClean="0"/>
-              <a:t>Deliverables at end of Semester  </a:t>
-            </a:r>
-            <a:endParaRPr lang="en-US" dirty="0"/>
-          </a:p>
-        </p:txBody>
-      </p:sp>
-      <p:sp>
-        <p:nvSpPr>
-          <p:cNvPr id="3" name="Content Placeholder 2"/>
-          <p:cNvSpPr>
-            <a:spLocks noGrp="1"/>
-          </p:cNvSpPr>
-          <p:nvPr>
-            <p:ph idx="1"/>
-          </p:nvPr>
-        </p:nvSpPr>
-        <p:spPr/>
-        <p:txBody>
-          <a:bodyPr>
-            <a:normAutofit/>
-          </a:bodyPr>
-          <a:lstStyle/>
-          <a:p>
-            <a:r>
-              <a:rPr lang="en-US" dirty="0" smtClean="0"/>
-              <a:t>Gain significant knowledge in the </a:t>
-            </a:r>
-            <a:r>
-              <a:rPr lang="en-US" dirty="0" smtClean="0"/>
-              <a:t>materials and robotics </a:t>
-            </a:r>
-            <a:r>
-              <a:rPr lang="en-US" dirty="0" smtClean="0"/>
-              <a:t>field</a:t>
-            </a:r>
-            <a:endParaRPr lang="en-US" dirty="0" smtClean="0"/>
-          </a:p>
-          <a:p>
-            <a:r>
-              <a:rPr lang="en-US" dirty="0" err="1" smtClean="0"/>
-              <a:t>OpenSCAD</a:t>
-            </a:r>
-            <a:r>
-              <a:rPr lang="en-US" dirty="0" smtClean="0"/>
-              <a:t> </a:t>
-            </a:r>
-            <a:r>
-              <a:rPr lang="en-US" dirty="0"/>
-              <a:t>will be used </a:t>
-            </a:r>
-            <a:r>
-              <a:rPr lang="en-US" dirty="0" smtClean="0"/>
-              <a:t>to create </a:t>
-            </a:r>
-            <a:r>
-              <a:rPr lang="en-US" dirty="0"/>
-              <a:t>a complete prototype of the </a:t>
-            </a:r>
-            <a:r>
-              <a:rPr lang="en-US" dirty="0" smtClean="0"/>
-              <a:t>device </a:t>
-            </a:r>
-            <a:r>
-              <a:rPr lang="en-US" dirty="0"/>
-              <a:t>in Phases II and III. </a:t>
-            </a:r>
-          </a:p>
-          <a:p>
-            <a:r>
-              <a:rPr lang="en-US" dirty="0" smtClean="0"/>
-              <a:t>Finalized Bill of Materials</a:t>
-            </a:r>
-          </a:p>
-          <a:p>
-            <a:r>
-              <a:rPr lang="en-US" dirty="0" smtClean="0"/>
-              <a:t>Understand and address the impact of the design in ethical, environmental, social, political, health and safety, sustainability, standardization/standards context</a:t>
-            </a:r>
-            <a:endParaRPr lang="en-US" dirty="0"/>
-          </a:p>
-        </p:txBody>
-      </p:sp>
-    </p:spTree>
-    <p:extLst>
-      <p:ext uri="{BB962C8B-B14F-4D97-AF65-F5344CB8AC3E}">
-        <p14:creationId xmlns:p14="http://schemas.microsoft.com/office/powerpoint/2010/main" val="1075286210"/>
-      </p:ext>
-    </p:extLst>
-  </p:cSld>
-  <p:clrMapOvr>
-    <a:masterClrMapping/>
-  </p:clrMapOvr>
-  <p:timing>
-    <p:tnLst>
-      <p:par>
-        <p:cTn id="1" dur="indefinite" restart="never" nodeType="tmRoot"/>
-      </p:par>
-    </p:tnLst>
-  </p:timing>
-</p:sld>
-</file>
-
-<file path=ppt/slides/slide9.xml><?xml version="1.0" encoding="utf-8"?>
-<p:sld xmlns:a="http://schemas.openxmlformats.org/drawingml/2006/main" xmlns:r="http://schemas.openxmlformats.org/officeDocument/2006/relationships" xmlns:p="http://schemas.openxmlformats.org/presentationml/2006/main">
-  <p:cSld>
-    <p:spTree>
-      <p:nvGrpSpPr>
-        <p:cNvPr id="1" name=""/>
-        <p:cNvGrpSpPr/>
-        <p:nvPr/>
-      </p:nvGrpSpPr>
-      <p:grpSpPr>
-        <a:xfrm>
-          <a:off x="0" y="0"/>
-          <a:ext cx="0" cy="0"/>
-          <a:chOff x="0" y="0"/>
-          <a:chExt cx="0" cy="0"/>
-        </a:xfrm>
-      </p:grpSpPr>
-      <p:sp>
-        <p:nvSpPr>
-          <p:cNvPr id="2" name="Title 1"/>
-          <p:cNvSpPr>
-            <a:spLocks noGrp="1"/>
-          </p:cNvSpPr>
-          <p:nvPr>
-            <p:ph type="title"/>
-          </p:nvPr>
-        </p:nvSpPr>
-        <p:spPr/>
-        <p:txBody>
-          <a:bodyPr/>
-          <a:lstStyle/>
-          <a:p>
-            <a:r>
-              <a:rPr lang="en-US" dirty="0"/>
-              <a:t>Conceptual Designs</a:t>
-            </a:r>
-          </a:p>
-        </p:txBody>
-      </p:sp>
-      <p:sp>
-        <p:nvSpPr>
-          <p:cNvPr id="3" name="Content Placeholder 2"/>
-          <p:cNvSpPr>
-            <a:spLocks noGrp="1"/>
-          </p:cNvSpPr>
-          <p:nvPr>
-            <p:ph idx="1"/>
-          </p:nvPr>
-        </p:nvSpPr>
-        <p:spPr/>
-        <p:txBody>
-          <a:bodyPr/>
-          <a:lstStyle/>
-          <a:p>
-            <a:r>
-              <a:rPr lang="en-US" dirty="0"/>
-              <a:t>To simplify the design process, brainstorming was split into categories</a:t>
-            </a:r>
-            <a:r>
-              <a:rPr lang="en-US" dirty="0" smtClean="0"/>
-              <a:t>:</a:t>
-            </a:r>
-          </a:p>
-          <a:p>
-            <a:endParaRPr lang="en-US" dirty="0" smtClean="0"/>
-          </a:p>
-          <a:p>
-            <a:pPr lvl="1"/>
-            <a:r>
-              <a:rPr lang="en-US" dirty="0" smtClean="0"/>
-              <a:t>Category 1: Hand Ideas</a:t>
-            </a:r>
-          </a:p>
-          <a:p>
-            <a:pPr lvl="2"/>
-            <a:r>
-              <a:rPr lang="en-US" dirty="0" smtClean="0"/>
-              <a:t>Ideas relating to the rigid components of the hand</a:t>
-            </a:r>
-          </a:p>
-          <a:p>
-            <a:pPr lvl="2"/>
-            <a:endParaRPr lang="en-US" dirty="0" smtClean="0"/>
-          </a:p>
-          <a:p>
-            <a:pPr lvl="1"/>
-            <a:r>
-              <a:rPr lang="en-US" dirty="0" smtClean="0"/>
-              <a:t>Category 2: Granular Jamming Ideas</a:t>
-            </a:r>
-          </a:p>
-          <a:p>
-            <a:pPr lvl="2"/>
-            <a:r>
-              <a:rPr lang="en-US" dirty="0" smtClean="0"/>
-              <a:t>Ideas relating to the granular jamming pads</a:t>
-            </a:r>
-          </a:p>
-          <a:p>
-            <a:pPr lvl="2"/>
-            <a:endParaRPr lang="en-US" dirty="0" smtClean="0"/>
-          </a:p>
-          <a:p>
-            <a:pPr lvl="1"/>
-            <a:r>
-              <a:rPr lang="en-US" dirty="0" smtClean="0"/>
-              <a:t>Category 3: Other Considerations</a:t>
-            </a:r>
-          </a:p>
-          <a:p>
-            <a:pPr lvl="2"/>
-            <a:r>
-              <a:rPr lang="en-US" dirty="0" smtClean="0"/>
-              <a:t>These were ideas or requirements that did not fit into any one category</a:t>
-            </a:r>
-          </a:p>
-        </p:txBody>
-      </p:sp>
-      <p:sp>
-        <p:nvSpPr>
-          <p:cNvPr id="4" name="Date Placeholder 3"/>
-          <p:cNvSpPr>
-            <a:spLocks noGrp="1"/>
-          </p:cNvSpPr>
-          <p:nvPr>
-            <p:ph type="dt" sz="half" idx="10"/>
-          </p:nvPr>
-        </p:nvSpPr>
-        <p:spPr/>
-        <p:txBody>
-          <a:bodyPr/>
-          <a:lstStyle/>
-          <a:p>
-            <a:fld id="{A2EFF424-F111-43CB-9C75-D52325012943}" type="datetime1">
-              <a:rPr lang="en-US" smtClean="0"/>
-              <a:pPr/>
-              <a:t>9/23/2013</a:t>
-            </a:fld>
-            <a:endParaRPr lang="en-US"/>
-          </a:p>
-        </p:txBody>
-      </p:sp>
-      <p:sp>
-        <p:nvSpPr>
-          <p:cNvPr id="5" name="Footer Placeholder 4"/>
-          <p:cNvSpPr>
-            <a:spLocks noGrp="1"/>
-          </p:cNvSpPr>
-          <p:nvPr>
-            <p:ph type="ftr" sz="quarter" idx="11"/>
-          </p:nvPr>
-        </p:nvSpPr>
-        <p:spPr/>
-        <p:txBody>
-          <a:bodyPr/>
-          <a:lstStyle/>
-          <a:p>
-            <a:endParaRPr lang="en-US"/>
-          </a:p>
-        </p:txBody>
-      </p:sp>
-      <p:sp>
-        <p:nvSpPr>
-          <p:cNvPr id="6" name="Slide Number Placeholder 5"/>
-          <p:cNvSpPr>
-            <a:spLocks noGrp="1"/>
-          </p:cNvSpPr>
-          <p:nvPr>
-            <p:ph type="sldNum" sz="quarter" idx="12"/>
-          </p:nvPr>
-        </p:nvSpPr>
-        <p:spPr/>
-        <p:txBody>
-          <a:bodyPr/>
-          <a:lstStyle/>
-          <a:p>
-            <a:fld id="{F7886C9C-DC18-4195-8FD5-A50AA931D419}" type="slidenum">
-              <a:rPr lang="en-US" smtClean="0"/>
-              <a:pPr/>
-              <a:t>9</a:t>
-            </a:fld>
-            <a:endParaRPr lang="en-US"/>
-          </a:p>
-        </p:txBody>
-      </p:sp>
-    </p:spTree>
-    <p:extLst>
-      <p:ext uri="{BB962C8B-B14F-4D97-AF65-F5344CB8AC3E}">
-        <p14:creationId xmlns:p14="http://schemas.microsoft.com/office/powerpoint/2010/main" val="2031015834"/>
       </p:ext>
     </p:extLst>
   </p:cSld>
